--- a/figures/FeaturesCCA.pptx
+++ b/figures/FeaturesCCA.pptx
@@ -5,9 +5,9 @@
     <p:sldMasterId id="2147483648" r:id="rId1"/>
   </p:sldMasterIdLst>
   <p:sldIdLst>
-    <p:sldId id="256" r:id="rId2"/>
-    <p:sldId id="257" r:id="rId3"/>
-    <p:sldId id="258" r:id="rId4"/>
+    <p:sldId id="261" r:id="rId2"/>
+    <p:sldId id="260" r:id="rId3"/>
+    <p:sldId id="263" r:id="rId4"/>
   </p:sldIdLst>
   <p:sldSz cx="12192000" cy="6858000"/>
   <p:notesSz cx="6858000" cy="9144000"/>
@@ -106,6 +106,11 @@
       </a:defRPr>
     </a:lvl9pPr>
   </p:defaultTextStyle>
+  <p:extLst>
+    <p:ext uri="{EFAFB233-063F-42B5-8137-9DF3F51BA10A}">
+      <p15:sldGuideLst xmlns:p15="http://schemas.microsoft.com/office/powerpoint/2012/main"/>
+    </p:ext>
+  </p:extLst>
 </p:presentation>
 </file>
 
@@ -256,7 +261,7 @@
           <a:p>
             <a:fld id="{057B431A-F19C-481C-9F4B-802E2795F6F6}" type="datetimeFigureOut">
               <a:rPr lang="en-US" smtClean="0"/>
-              <a:t>4/27/2024</a:t>
+              <a:t>4/28/2024</a:t>
             </a:fld>
             <a:endParaRPr lang="en-US"/>
           </a:p>
@@ -454,7 +459,7 @@
           <a:p>
             <a:fld id="{057B431A-F19C-481C-9F4B-802E2795F6F6}" type="datetimeFigureOut">
               <a:rPr lang="en-US" smtClean="0"/>
-              <a:t>4/27/2024</a:t>
+              <a:t>4/28/2024</a:t>
             </a:fld>
             <a:endParaRPr lang="en-US"/>
           </a:p>
@@ -662,7 +667,7 @@
           <a:p>
             <a:fld id="{057B431A-F19C-481C-9F4B-802E2795F6F6}" type="datetimeFigureOut">
               <a:rPr lang="en-US" smtClean="0"/>
-              <a:t>4/27/2024</a:t>
+              <a:t>4/28/2024</a:t>
             </a:fld>
             <a:endParaRPr lang="en-US"/>
           </a:p>
@@ -860,7 +865,7 @@
           <a:p>
             <a:fld id="{057B431A-F19C-481C-9F4B-802E2795F6F6}" type="datetimeFigureOut">
               <a:rPr lang="en-US" smtClean="0"/>
-              <a:t>4/27/2024</a:t>
+              <a:t>4/28/2024</a:t>
             </a:fld>
             <a:endParaRPr lang="en-US"/>
           </a:p>
@@ -1135,7 +1140,7 @@
           <a:p>
             <a:fld id="{057B431A-F19C-481C-9F4B-802E2795F6F6}" type="datetimeFigureOut">
               <a:rPr lang="en-US" smtClean="0"/>
-              <a:t>4/27/2024</a:t>
+              <a:t>4/28/2024</a:t>
             </a:fld>
             <a:endParaRPr lang="en-US"/>
           </a:p>
@@ -1400,7 +1405,7 @@
           <a:p>
             <a:fld id="{057B431A-F19C-481C-9F4B-802E2795F6F6}" type="datetimeFigureOut">
               <a:rPr lang="en-US" smtClean="0"/>
-              <a:t>4/27/2024</a:t>
+              <a:t>4/28/2024</a:t>
             </a:fld>
             <a:endParaRPr lang="en-US"/>
           </a:p>
@@ -1812,7 +1817,7 @@
           <a:p>
             <a:fld id="{057B431A-F19C-481C-9F4B-802E2795F6F6}" type="datetimeFigureOut">
               <a:rPr lang="en-US" smtClean="0"/>
-              <a:t>4/27/2024</a:t>
+              <a:t>4/28/2024</a:t>
             </a:fld>
             <a:endParaRPr lang="en-US"/>
           </a:p>
@@ -1953,7 +1958,7 @@
           <a:p>
             <a:fld id="{057B431A-F19C-481C-9F4B-802E2795F6F6}" type="datetimeFigureOut">
               <a:rPr lang="en-US" smtClean="0"/>
-              <a:t>4/27/2024</a:t>
+              <a:t>4/28/2024</a:t>
             </a:fld>
             <a:endParaRPr lang="en-US"/>
           </a:p>
@@ -2066,7 +2071,7 @@
           <a:p>
             <a:fld id="{057B431A-F19C-481C-9F4B-802E2795F6F6}" type="datetimeFigureOut">
               <a:rPr lang="en-US" smtClean="0"/>
-              <a:t>4/27/2024</a:t>
+              <a:t>4/28/2024</a:t>
             </a:fld>
             <a:endParaRPr lang="en-US"/>
           </a:p>
@@ -2377,7 +2382,7 @@
           <a:p>
             <a:fld id="{057B431A-F19C-481C-9F4B-802E2795F6F6}" type="datetimeFigureOut">
               <a:rPr lang="en-US" smtClean="0"/>
-              <a:t>4/27/2024</a:t>
+              <a:t>4/28/2024</a:t>
             </a:fld>
             <a:endParaRPr lang="en-US"/>
           </a:p>
@@ -2665,7 +2670,7 @@
           <a:p>
             <a:fld id="{057B431A-F19C-481C-9F4B-802E2795F6F6}" type="datetimeFigureOut">
               <a:rPr lang="en-US" smtClean="0"/>
-              <a:t>4/27/2024</a:t>
+              <a:t>4/28/2024</a:t>
             </a:fld>
             <a:endParaRPr lang="en-US"/>
           </a:p>
@@ -2906,7 +2911,7 @@
           <a:p>
             <a:fld id="{057B431A-F19C-481C-9F4B-802E2795F6F6}" type="datetimeFigureOut">
               <a:rPr lang="en-US" smtClean="0"/>
-              <a:t>4/27/2024</a:t>
+              <a:t>4/28/2024</a:t>
             </a:fld>
             <a:endParaRPr lang="en-US"/>
           </a:p>
@@ -3323,12 +3328,158 @@
           <a:chExt cx="0" cy="0"/>
         </a:xfrm>
       </p:grpSpPr>
+      <p:sp>
+        <p:nvSpPr>
+          <p:cNvPr id="8" name="Rectangle 7">
+            <a:extLst>
+              <a:ext uri="{FF2B5EF4-FFF2-40B4-BE49-F238E27FC236}">
+                <a16:creationId xmlns:a16="http://schemas.microsoft.com/office/drawing/2014/main" id="{664B1789-792F-F652-9FAB-D19DED7B3729}"/>
+              </a:ext>
+            </a:extLst>
+          </p:cNvPr>
+          <p:cNvSpPr/>
+          <p:nvPr/>
+        </p:nvSpPr>
+        <p:spPr>
+          <a:xfrm>
+            <a:off x="6705713" y="2166581"/>
+            <a:ext cx="1692987" cy="238588"/>
+          </a:xfrm>
+          <a:prstGeom prst="rect">
+            <a:avLst/>
+          </a:prstGeom>
+          <a:gradFill flip="none" rotWithShape="0">
+            <a:gsLst>
+              <a:gs pos="14000">
+                <a:srgbClr val="FF6534"/>
+              </a:gs>
+              <a:gs pos="100000">
+                <a:schemeClr val="bg1"/>
+              </a:gs>
+            </a:gsLst>
+            <a:lin ang="0" scaled="0"/>
+            <a:tileRect/>
+          </a:gradFill>
+          <a:ln w="38100">
+            <a:noFill/>
+          </a:ln>
+        </p:spPr>
+        <p:style>
+          <a:lnRef idx="2">
+            <a:schemeClr val="accent1">
+              <a:shade val="15000"/>
+            </a:schemeClr>
+          </a:lnRef>
+          <a:fillRef idx="1">
+            <a:schemeClr val="accent1"/>
+          </a:fillRef>
+          <a:effectRef idx="0">
+            <a:schemeClr val="accent1"/>
+          </a:effectRef>
+          <a:fontRef idx="minor">
+            <a:schemeClr val="lt1"/>
+          </a:fontRef>
+        </p:style>
+        <p:txBody>
+          <a:bodyPr rtlCol="0" anchor="ctr"/>
+          <a:lstStyle/>
+          <a:p>
+            <a:pPr algn="ctr"/>
+            <a:r>
+              <a:rPr lang="da-DK" sz="1100" dirty="0" err="1">
+                <a:solidFill>
+                  <a:schemeClr val="tx1"/>
+                </a:solidFill>
+              </a:rPr>
+              <a:t>Hostile</a:t>
+            </a:r>
+            <a:endParaRPr lang="en-US" sz="1100" dirty="0">
+              <a:solidFill>
+                <a:schemeClr val="tx1"/>
+              </a:solidFill>
+            </a:endParaRPr>
+          </a:p>
+        </p:txBody>
+      </p:sp>
+      <p:sp>
+        <p:nvSpPr>
+          <p:cNvPr id="9" name="Rectangle 8">
+            <a:extLst>
+              <a:ext uri="{FF2B5EF4-FFF2-40B4-BE49-F238E27FC236}">
+                <a16:creationId xmlns:a16="http://schemas.microsoft.com/office/drawing/2014/main" id="{735428D7-5D87-FB78-4996-25A05A837B18}"/>
+              </a:ext>
+            </a:extLst>
+          </p:cNvPr>
+          <p:cNvSpPr/>
+          <p:nvPr/>
+        </p:nvSpPr>
+        <p:spPr>
+          <a:xfrm>
+            <a:off x="6705714" y="1892626"/>
+            <a:ext cx="1692988" cy="238588"/>
+          </a:xfrm>
+          <a:prstGeom prst="rect">
+            <a:avLst/>
+          </a:prstGeom>
+          <a:gradFill flip="none" rotWithShape="0">
+            <a:gsLst>
+              <a:gs pos="14000">
+                <a:srgbClr val="FF6534"/>
+              </a:gs>
+              <a:gs pos="100000">
+                <a:schemeClr val="bg1"/>
+              </a:gs>
+            </a:gsLst>
+            <a:lin ang="0" scaled="0"/>
+            <a:tileRect/>
+          </a:gradFill>
+          <a:ln w="38100">
+            <a:noFill/>
+          </a:ln>
+        </p:spPr>
+        <p:style>
+          <a:lnRef idx="2">
+            <a:schemeClr val="accent1">
+              <a:shade val="15000"/>
+            </a:schemeClr>
+          </a:lnRef>
+          <a:fillRef idx="1">
+            <a:schemeClr val="accent1"/>
+          </a:fillRef>
+          <a:effectRef idx="0">
+            <a:schemeClr val="accent1"/>
+          </a:effectRef>
+          <a:fontRef idx="minor">
+            <a:schemeClr val="lt1"/>
+          </a:fontRef>
+        </p:style>
+        <p:txBody>
+          <a:bodyPr rtlCol="0" anchor="ctr"/>
+          <a:lstStyle/>
+          <a:p>
+            <a:pPr algn="ctr"/>
+            <a:r>
+              <a:rPr lang="da-DK" sz="1100" dirty="0" err="1">
+                <a:solidFill>
+                  <a:schemeClr val="tx1"/>
+                </a:solidFill>
+              </a:rPr>
+              <a:t>Frustrated</a:t>
+            </a:r>
+            <a:endParaRPr lang="en-US" sz="1100" dirty="0">
+              <a:solidFill>
+                <a:schemeClr val="tx1"/>
+              </a:solidFill>
+            </a:endParaRPr>
+          </a:p>
+        </p:txBody>
+      </p:sp>
       <p:grpSp>
         <p:nvGrpSpPr>
-          <p:cNvPr id="35" name="Group 34">
-            <a:extLst>
-              <a:ext uri="{FF2B5EF4-FFF2-40B4-BE49-F238E27FC236}">
-                <a16:creationId xmlns:a16="http://schemas.microsoft.com/office/drawing/2014/main" id="{B907F308-03FF-622D-548E-A8CBEFB100E8}"/>
+          <p:cNvPr id="46" name="Group 45">
+            <a:extLst>
+              <a:ext uri="{FF2B5EF4-FFF2-40B4-BE49-F238E27FC236}">
+                <a16:creationId xmlns:a16="http://schemas.microsoft.com/office/drawing/2014/main" id="{347CE967-0D6E-6FAA-19D9-3F3DC920CB56}"/>
               </a:ext>
             </a:extLst>
           </p:cNvPr>
@@ -3337,836 +3488,18 @@
         </p:nvGrpSpPr>
         <p:grpSpPr>
           <a:xfrm>
-            <a:off x="2990850" y="1969074"/>
-            <a:ext cx="4084478" cy="609026"/>
-            <a:chOff x="2990850" y="1969074"/>
-            <a:chExt cx="4084478" cy="609026"/>
+            <a:off x="2355302" y="1961983"/>
+            <a:ext cx="1698741" cy="626838"/>
+            <a:chOff x="2359031" y="1956946"/>
+            <a:chExt cx="1698741" cy="626838"/>
           </a:xfrm>
         </p:grpSpPr>
         <p:sp>
           <p:nvSpPr>
-            <p:cNvPr id="18" name="Trapezoid 17">
+            <p:cNvPr id="2" name="Rectangle 1">
               <a:extLst>
                 <a:ext uri="{FF2B5EF4-FFF2-40B4-BE49-F238E27FC236}">
-                  <a16:creationId xmlns:a16="http://schemas.microsoft.com/office/drawing/2014/main" id="{A5602970-A38C-E118-44C8-41862BF30A8A}"/>
-                </a:ext>
-              </a:extLst>
-            </p:cNvPr>
-            <p:cNvSpPr/>
-            <p:nvPr/>
-          </p:nvSpPr>
-          <p:spPr>
-            <a:xfrm rot="5400000">
-              <a:off x="4330191" y="2051264"/>
-              <a:ext cx="603250" cy="438870"/>
-            </a:xfrm>
-            <a:prstGeom prst="trapezoid">
-              <a:avLst/>
-            </a:prstGeom>
-            <a:gradFill flip="none" rotWithShape="0">
-              <a:gsLst>
-                <a:gs pos="100000">
-                  <a:srgbClr val="8ED973">
-                    <a:tint val="66000"/>
-                    <a:satMod val="160000"/>
-                  </a:srgbClr>
-                </a:gs>
-                <a:gs pos="25000">
-                  <a:srgbClr val="8ED973"/>
-                </a:gs>
-                <a:gs pos="100000">
-                  <a:srgbClr val="8ED973">
-                    <a:tint val="23500"/>
-                    <a:satMod val="160000"/>
-                  </a:srgbClr>
-                </a:gs>
-              </a:gsLst>
-              <a:lin ang="10800000" scaled="1"/>
-              <a:tileRect/>
-            </a:gradFill>
-            <a:ln>
-              <a:noFill/>
-            </a:ln>
-          </p:spPr>
-          <p:style>
-            <a:lnRef idx="2">
-              <a:schemeClr val="accent1">
-                <a:shade val="15000"/>
-              </a:schemeClr>
-            </a:lnRef>
-            <a:fillRef idx="1">
-              <a:schemeClr val="accent1"/>
-            </a:fillRef>
-            <a:effectRef idx="0">
-              <a:schemeClr val="accent1"/>
-            </a:effectRef>
-            <a:fontRef idx="minor">
-              <a:schemeClr val="lt1"/>
-            </a:fontRef>
-          </p:style>
-          <p:txBody>
-            <a:bodyPr rtlCol="0" anchor="ctr"/>
-            <a:lstStyle/>
-            <a:p>
-              <a:pPr algn="ctr"/>
-              <a:endParaRPr lang="en-US" dirty="0"/>
-            </a:p>
-          </p:txBody>
-        </p:sp>
-        <p:grpSp>
-          <p:nvGrpSpPr>
-            <p:cNvPr id="33" name="Group 32">
-              <a:extLst>
-                <a:ext uri="{FF2B5EF4-FFF2-40B4-BE49-F238E27FC236}">
-                  <a16:creationId xmlns:a16="http://schemas.microsoft.com/office/drawing/2014/main" id="{1EF0E779-BDF0-9CC2-B3A0-7C7D82AC8518}"/>
-                </a:ext>
-              </a:extLst>
-            </p:cNvPr>
-            <p:cNvGrpSpPr/>
-            <p:nvPr/>
-          </p:nvGrpSpPr>
-          <p:grpSpPr>
-            <a:xfrm>
-              <a:off x="2990850" y="1972031"/>
-              <a:ext cx="4084478" cy="606069"/>
-              <a:chOff x="2990850" y="1972031"/>
-              <a:chExt cx="4084478" cy="606069"/>
-            </a:xfrm>
-          </p:grpSpPr>
-          <p:grpSp>
-            <p:nvGrpSpPr>
-              <p:cNvPr id="16" name="Group 15">
-                <a:extLst>
-                  <a:ext uri="{FF2B5EF4-FFF2-40B4-BE49-F238E27FC236}">
-                    <a16:creationId xmlns:a16="http://schemas.microsoft.com/office/drawing/2014/main" id="{39233F64-3D9D-B828-7038-A7840CC0759D}"/>
-                  </a:ext>
-                </a:extLst>
-              </p:cNvPr>
-              <p:cNvGrpSpPr/>
-              <p:nvPr/>
-            </p:nvGrpSpPr>
-            <p:grpSpPr>
-              <a:xfrm>
-                <a:off x="4932218" y="1974850"/>
-                <a:ext cx="1198710" cy="603250"/>
-                <a:chOff x="4932218" y="1974850"/>
-                <a:chExt cx="1198710" cy="603250"/>
-              </a:xfrm>
-            </p:grpSpPr>
-            <p:grpSp>
-              <p:nvGrpSpPr>
-                <p:cNvPr id="11" name="Group 10">
-                  <a:extLst>
-                    <a:ext uri="{FF2B5EF4-FFF2-40B4-BE49-F238E27FC236}">
-                      <a16:creationId xmlns:a16="http://schemas.microsoft.com/office/drawing/2014/main" id="{15A887B2-E4FB-454A-1A8C-09104F3AAD65}"/>
-                    </a:ext>
-                  </a:extLst>
-                </p:cNvPr>
-                <p:cNvGrpSpPr/>
-                <p:nvPr/>
-              </p:nvGrpSpPr>
-              <p:grpSpPr>
-                <a:xfrm>
-                  <a:off x="4932218" y="1974850"/>
-                  <a:ext cx="1198710" cy="603250"/>
-                  <a:chOff x="4932218" y="1974850"/>
-                  <a:chExt cx="1198710" cy="603250"/>
-                </a:xfrm>
-              </p:grpSpPr>
-              <p:sp>
-                <p:nvSpPr>
-                  <p:cNvPr id="4" name="Rectangle 3">
-                    <a:extLst>
-                      <a:ext uri="{FF2B5EF4-FFF2-40B4-BE49-F238E27FC236}">
-                        <a16:creationId xmlns:a16="http://schemas.microsoft.com/office/drawing/2014/main" id="{6FBFBDF9-58CF-F8F5-4352-F8F8ADF564E2}"/>
-                      </a:ext>
-                    </a:extLst>
-                  </p:cNvPr>
-                  <p:cNvSpPr/>
-                  <p:nvPr/>
-                </p:nvSpPr>
-                <p:spPr>
-                  <a:xfrm>
-                    <a:off x="4932218" y="2078181"/>
-                    <a:ext cx="678873" cy="387927"/>
-                  </a:xfrm>
-                  <a:prstGeom prst="rect">
-                    <a:avLst/>
-                  </a:prstGeom>
-                  <a:solidFill>
-                    <a:schemeClr val="accent6">
-                      <a:lumMod val="60000"/>
-                      <a:lumOff val="40000"/>
-                    </a:schemeClr>
-                  </a:solidFill>
-                  <a:ln w="38100">
-                    <a:noFill/>
-                  </a:ln>
-                </p:spPr>
-                <p:style>
-                  <a:lnRef idx="2">
-                    <a:schemeClr val="accent1">
-                      <a:shade val="15000"/>
-                    </a:schemeClr>
-                  </a:lnRef>
-                  <a:fillRef idx="1">
-                    <a:schemeClr val="accent1"/>
-                  </a:fillRef>
-                  <a:effectRef idx="0">
-                    <a:schemeClr val="accent1"/>
-                  </a:effectRef>
-                  <a:fontRef idx="minor">
-                    <a:schemeClr val="lt1"/>
-                  </a:fontRef>
-                </p:style>
-                <p:txBody>
-                  <a:bodyPr rtlCol="0" anchor="ctr"/>
-                  <a:lstStyle/>
-                  <a:p>
-                    <a:pPr algn="ctr"/>
-                    <a:r>
-                      <a:rPr lang="da-DK" sz="1500" dirty="0">
-                        <a:solidFill>
-                          <a:schemeClr val="tx1"/>
-                        </a:solidFill>
-                      </a:rPr>
-                      <a:t>???</a:t>
-                    </a:r>
-                    <a:endParaRPr lang="en-US" sz="1500" dirty="0">
-                      <a:solidFill>
-                        <a:schemeClr val="tx1"/>
-                      </a:solidFill>
-                    </a:endParaRPr>
-                  </a:p>
-                </p:txBody>
-              </p:sp>
-              <p:sp>
-                <p:nvSpPr>
-                  <p:cNvPr id="10" name="Trapezoid 9">
-                    <a:extLst>
-                      <a:ext uri="{FF2B5EF4-FFF2-40B4-BE49-F238E27FC236}">
-                        <a16:creationId xmlns:a16="http://schemas.microsoft.com/office/drawing/2014/main" id="{81CAC35F-86D3-D5BE-AE1F-9CA8CF67B73D}"/>
-                      </a:ext>
-                    </a:extLst>
-                  </p:cNvPr>
-                  <p:cNvSpPr/>
-                  <p:nvPr/>
-                </p:nvSpPr>
-                <p:spPr>
-                  <a:xfrm rot="16200000">
-                    <a:off x="5609868" y="2057040"/>
-                    <a:ext cx="603250" cy="438870"/>
-                  </a:xfrm>
-                  <a:prstGeom prst="trapezoid">
-                    <a:avLst/>
-                  </a:prstGeom>
-                  <a:gradFill flip="none" rotWithShape="0">
-                    <a:gsLst>
-                      <a:gs pos="100000">
-                        <a:srgbClr val="8ED973">
-                          <a:tint val="66000"/>
-                          <a:satMod val="160000"/>
-                        </a:srgbClr>
-                      </a:gs>
-                      <a:gs pos="31000">
-                        <a:srgbClr val="8ED973"/>
-                      </a:gs>
-                      <a:gs pos="100000">
-                        <a:srgbClr val="8ED973">
-                          <a:tint val="23500"/>
-                          <a:satMod val="160000"/>
-                        </a:srgbClr>
-                      </a:gs>
-                    </a:gsLst>
-                    <a:lin ang="0" scaled="1"/>
-                    <a:tileRect/>
-                  </a:gradFill>
-                  <a:ln>
-                    <a:noFill/>
-                  </a:ln>
-                </p:spPr>
-                <p:style>
-                  <a:lnRef idx="2">
-                    <a:schemeClr val="accent1">
-                      <a:shade val="15000"/>
-                    </a:schemeClr>
-                  </a:lnRef>
-                  <a:fillRef idx="1">
-                    <a:schemeClr val="accent1"/>
-                  </a:fillRef>
-                  <a:effectRef idx="0">
-                    <a:schemeClr val="accent1"/>
-                  </a:effectRef>
-                  <a:fontRef idx="minor">
-                    <a:schemeClr val="lt1"/>
-                  </a:fontRef>
-                </p:style>
-                <p:txBody>
-                  <a:bodyPr rtlCol="0" anchor="ctr"/>
-                  <a:lstStyle/>
-                  <a:p>
-                    <a:pPr algn="ctr"/>
-                    <a:endParaRPr lang="en-US" dirty="0"/>
-                  </a:p>
-                </p:txBody>
-              </p:sp>
-            </p:grpSp>
-            <p:sp>
-              <p:nvSpPr>
-                <p:cNvPr id="14" name="TextBox 13">
-                  <a:extLst>
-                    <a:ext uri="{FF2B5EF4-FFF2-40B4-BE49-F238E27FC236}">
-                      <a16:creationId xmlns:a16="http://schemas.microsoft.com/office/drawing/2014/main" id="{2A5BB842-EDD6-77B8-0CE0-05D86F3331BC}"/>
-                    </a:ext>
-                  </a:extLst>
-                </p:cNvPr>
-                <p:cNvSpPr txBox="1"/>
-                <p:nvPr/>
-              </p:nvSpPr>
-              <p:spPr>
-                <a:xfrm>
-                  <a:off x="5707979" y="2116206"/>
-                  <a:ext cx="407028" cy="323165"/>
-                </a:xfrm>
-                <a:prstGeom prst="rect">
-                  <a:avLst/>
-                </a:prstGeom>
-                <a:noFill/>
-              </p:spPr>
-              <p:txBody>
-                <a:bodyPr wrap="square" rtlCol="0">
-                  <a:spAutoFit/>
-                </a:bodyPr>
-                <a:lstStyle/>
-                <a:p>
-                  <a:r>
-                    <a:rPr lang="da-DK" sz="1500" dirty="0"/>
-                    <a:t>V1</a:t>
-                  </a:r>
-                  <a:endParaRPr lang="en-US" sz="1500" dirty="0"/>
-                </a:p>
-              </p:txBody>
-            </p:sp>
-          </p:grpSp>
-          <p:grpSp>
-            <p:nvGrpSpPr>
-              <p:cNvPr id="25" name="Group 24">
-                <a:extLst>
-                  <a:ext uri="{FF2B5EF4-FFF2-40B4-BE49-F238E27FC236}">
-                    <a16:creationId xmlns:a16="http://schemas.microsoft.com/office/drawing/2014/main" id="{889314A6-8347-529A-FC91-E5DB386C9E2E}"/>
-                  </a:ext>
-                </a:extLst>
-              </p:cNvPr>
-              <p:cNvGrpSpPr/>
-              <p:nvPr/>
-            </p:nvGrpSpPr>
-            <p:grpSpPr>
-              <a:xfrm>
-                <a:off x="2990850" y="1972031"/>
-                <a:ext cx="1343105" cy="603250"/>
-                <a:chOff x="2988309" y="1969074"/>
-                <a:chExt cx="1343105" cy="603250"/>
-              </a:xfrm>
-            </p:grpSpPr>
-            <p:sp>
-              <p:nvSpPr>
-                <p:cNvPr id="22" name="Rectangle 21">
-                  <a:extLst>
-                    <a:ext uri="{FF2B5EF4-FFF2-40B4-BE49-F238E27FC236}">
-                      <a16:creationId xmlns:a16="http://schemas.microsoft.com/office/drawing/2014/main" id="{A55A0115-86CA-C334-B36F-6555504D237A}"/>
-                    </a:ext>
-                  </a:extLst>
-                </p:cNvPr>
-                <p:cNvSpPr/>
-                <p:nvPr/>
-              </p:nvSpPr>
-              <p:spPr>
-                <a:xfrm>
-                  <a:off x="2988309" y="2283974"/>
-                  <a:ext cx="1343105" cy="288350"/>
-                </a:xfrm>
-                <a:prstGeom prst="rect">
-                  <a:avLst/>
-                </a:prstGeom>
-                <a:gradFill flip="none" rotWithShape="0">
-                  <a:gsLst>
-                    <a:gs pos="0">
-                      <a:srgbClr val="B5F5A2"/>
-                    </a:gs>
-                    <a:gs pos="100000">
-                      <a:schemeClr val="accent1">
-                        <a:lumMod val="40000"/>
-                        <a:lumOff val="60000"/>
-                      </a:schemeClr>
-                    </a:gs>
-                  </a:gsLst>
-                  <a:lin ang="10800000" scaled="0"/>
-                  <a:tileRect/>
-                </a:gradFill>
-                <a:ln w="38100">
-                  <a:noFill/>
-                </a:ln>
-              </p:spPr>
-              <p:style>
-                <a:lnRef idx="2">
-                  <a:schemeClr val="accent1">
-                    <a:shade val="15000"/>
-                  </a:schemeClr>
-                </a:lnRef>
-                <a:fillRef idx="1">
-                  <a:schemeClr val="accent1"/>
-                </a:fillRef>
-                <a:effectRef idx="0">
-                  <a:schemeClr val="accent1"/>
-                </a:effectRef>
-                <a:fontRef idx="minor">
-                  <a:schemeClr val="lt1"/>
-                </a:fontRef>
-              </p:style>
-              <p:txBody>
-                <a:bodyPr rtlCol="0" anchor="ctr"/>
-                <a:lstStyle/>
-                <a:p>
-                  <a:pPr algn="ctr"/>
-                  <a:r>
-                    <a:rPr lang="da-DK" sz="1100" dirty="0">
-                      <a:solidFill>
-                        <a:schemeClr val="tx1"/>
-                      </a:solidFill>
-                    </a:rPr>
-                    <a:t>EDA slope mean</a:t>
-                  </a:r>
-                  <a:endParaRPr lang="en-US" sz="1100" dirty="0">
-                    <a:solidFill>
-                      <a:schemeClr val="tx1"/>
-                    </a:solidFill>
-                  </a:endParaRPr>
-                </a:p>
-              </p:txBody>
-            </p:sp>
-            <p:sp>
-              <p:nvSpPr>
-                <p:cNvPr id="24" name="Rectangle 23">
-                  <a:extLst>
-                    <a:ext uri="{FF2B5EF4-FFF2-40B4-BE49-F238E27FC236}">
-                      <a16:creationId xmlns:a16="http://schemas.microsoft.com/office/drawing/2014/main" id="{B176D383-33AB-63C5-F84E-3DEB9A9882D1}"/>
-                    </a:ext>
-                  </a:extLst>
-                </p:cNvPr>
-                <p:cNvSpPr/>
-                <p:nvPr/>
-              </p:nvSpPr>
-              <p:spPr>
-                <a:xfrm>
-                  <a:off x="2988309" y="1969074"/>
-                  <a:ext cx="1343105" cy="288350"/>
-                </a:xfrm>
-                <a:prstGeom prst="rect">
-                  <a:avLst/>
-                </a:prstGeom>
-                <a:gradFill flip="none" rotWithShape="0">
-                  <a:gsLst>
-                    <a:gs pos="0">
-                      <a:srgbClr val="8ED973">
-                        <a:tint val="66000"/>
-                        <a:satMod val="160000"/>
-                      </a:srgbClr>
-                    </a:gs>
-                    <a:gs pos="100000">
-                      <a:schemeClr val="accent1">
-                        <a:lumMod val="40000"/>
-                        <a:lumOff val="60000"/>
-                      </a:schemeClr>
-                    </a:gs>
-                  </a:gsLst>
-                  <a:lin ang="10800000" scaled="0"/>
-                  <a:tileRect/>
-                </a:gradFill>
-                <a:ln w="38100">
-                  <a:noFill/>
-                </a:ln>
-              </p:spPr>
-              <p:style>
-                <a:lnRef idx="2">
-                  <a:schemeClr val="accent1">
-                    <a:shade val="15000"/>
-                  </a:schemeClr>
-                </a:lnRef>
-                <a:fillRef idx="1">
-                  <a:schemeClr val="accent1"/>
-                </a:fillRef>
-                <a:effectRef idx="0">
-                  <a:schemeClr val="accent1"/>
-                </a:effectRef>
-                <a:fontRef idx="minor">
-                  <a:schemeClr val="lt1"/>
-                </a:fontRef>
-              </p:style>
-              <p:txBody>
-                <a:bodyPr rtlCol="0" anchor="ctr"/>
-                <a:lstStyle/>
-                <a:p>
-                  <a:pPr algn="ctr"/>
-                  <a:r>
-                    <a:rPr lang="da-DK" sz="1100" dirty="0">
-                      <a:solidFill>
-                        <a:schemeClr val="tx1"/>
-                      </a:solidFill>
-                    </a:rPr>
-                    <a:t>Temperature slope</a:t>
-                  </a:r>
-                  <a:endParaRPr lang="en-US" sz="1100" dirty="0">
-                    <a:solidFill>
-                      <a:schemeClr val="tx1"/>
-                    </a:solidFill>
-                  </a:endParaRPr>
-                </a:p>
-              </p:txBody>
-            </p:sp>
-          </p:grpSp>
-          <p:grpSp>
-            <p:nvGrpSpPr>
-              <p:cNvPr id="30" name="Group 29">
-                <a:extLst>
-                  <a:ext uri="{FF2B5EF4-FFF2-40B4-BE49-F238E27FC236}">
-                    <a16:creationId xmlns:a16="http://schemas.microsoft.com/office/drawing/2014/main" id="{76806143-810A-E810-5338-051EA95F2CA3}"/>
-                  </a:ext>
-                </a:extLst>
-              </p:cNvPr>
-              <p:cNvGrpSpPr/>
-              <p:nvPr/>
-            </p:nvGrpSpPr>
-            <p:grpSpPr>
-              <a:xfrm>
-                <a:off x="6206973" y="1973837"/>
-                <a:ext cx="868355" cy="603250"/>
-                <a:chOff x="6166202" y="2600696"/>
-                <a:chExt cx="1394539" cy="591327"/>
-              </a:xfrm>
-            </p:grpSpPr>
-            <p:sp>
-              <p:nvSpPr>
-                <p:cNvPr id="31" name="Rectangle 30">
-                  <a:extLst>
-                    <a:ext uri="{FF2B5EF4-FFF2-40B4-BE49-F238E27FC236}">
-                      <a16:creationId xmlns:a16="http://schemas.microsoft.com/office/drawing/2014/main" id="{1A777C98-83FF-DD3F-2AE4-13F1563986F1}"/>
-                    </a:ext>
-                  </a:extLst>
-                </p:cNvPr>
-                <p:cNvSpPr/>
-                <p:nvPr/>
-              </p:nvSpPr>
-              <p:spPr>
-                <a:xfrm>
-                  <a:off x="6166202" y="2903673"/>
-                  <a:ext cx="1389087" cy="288350"/>
-                </a:xfrm>
-                <a:prstGeom prst="rect">
-                  <a:avLst/>
-                </a:prstGeom>
-                <a:gradFill flip="none" rotWithShape="0">
-                  <a:gsLst>
-                    <a:gs pos="0">
-                      <a:srgbClr val="8ED973">
-                        <a:tint val="66000"/>
-                        <a:satMod val="160000"/>
-                      </a:srgbClr>
-                    </a:gs>
-                    <a:gs pos="100000">
-                      <a:schemeClr val="accent1">
-                        <a:lumMod val="40000"/>
-                        <a:lumOff val="60000"/>
-                      </a:schemeClr>
-                    </a:gs>
-                  </a:gsLst>
-                  <a:lin ang="0" scaled="0"/>
-                  <a:tileRect/>
-                </a:gradFill>
-                <a:ln w="38100">
-                  <a:noFill/>
-                </a:ln>
-              </p:spPr>
-              <p:style>
-                <a:lnRef idx="2">
-                  <a:schemeClr val="accent1">
-                    <a:shade val="15000"/>
-                  </a:schemeClr>
-                </a:lnRef>
-                <a:fillRef idx="1">
-                  <a:schemeClr val="accent1"/>
-                </a:fillRef>
-                <a:effectRef idx="0">
-                  <a:schemeClr val="accent1"/>
-                </a:effectRef>
-                <a:fontRef idx="minor">
-                  <a:schemeClr val="lt1"/>
-                </a:fontRef>
-              </p:style>
-              <p:txBody>
-                <a:bodyPr rtlCol="0" anchor="ctr"/>
-                <a:lstStyle/>
-                <a:p>
-                  <a:pPr algn="ctr"/>
-                  <a:r>
-                    <a:rPr lang="da-DK" sz="1100" dirty="0">
-                      <a:solidFill>
-                        <a:schemeClr val="tx1"/>
-                      </a:solidFill>
-                    </a:rPr>
-                    <a:t>Hostile</a:t>
-                  </a:r>
-                  <a:endParaRPr lang="en-US" sz="1100" dirty="0">
-                    <a:solidFill>
-                      <a:schemeClr val="tx1"/>
-                    </a:solidFill>
-                  </a:endParaRPr>
-                </a:p>
-              </p:txBody>
-            </p:sp>
-            <p:sp>
-              <p:nvSpPr>
-                <p:cNvPr id="32" name="Rectangle 31">
-                  <a:extLst>
-                    <a:ext uri="{FF2B5EF4-FFF2-40B4-BE49-F238E27FC236}">
-                      <a16:creationId xmlns:a16="http://schemas.microsoft.com/office/drawing/2014/main" id="{F4FF0E81-71B0-371C-AABD-F08DCB2C7DD8}"/>
-                    </a:ext>
-                  </a:extLst>
-                </p:cNvPr>
-                <p:cNvSpPr/>
-                <p:nvPr/>
-              </p:nvSpPr>
-              <p:spPr>
-                <a:xfrm>
-                  <a:off x="6166202" y="2600696"/>
-                  <a:ext cx="1394539" cy="288350"/>
-                </a:xfrm>
-                <a:prstGeom prst="rect">
-                  <a:avLst/>
-                </a:prstGeom>
-                <a:gradFill flip="none" rotWithShape="0">
-                  <a:gsLst>
-                    <a:gs pos="0">
-                      <a:srgbClr val="8ED973">
-                        <a:tint val="66000"/>
-                        <a:satMod val="160000"/>
-                      </a:srgbClr>
-                    </a:gs>
-                    <a:gs pos="100000">
-                      <a:schemeClr val="accent1">
-                        <a:lumMod val="40000"/>
-                        <a:lumOff val="60000"/>
-                      </a:schemeClr>
-                    </a:gs>
-                  </a:gsLst>
-                  <a:lin ang="0" scaled="0"/>
-                  <a:tileRect/>
-                </a:gradFill>
-                <a:ln w="38100">
-                  <a:noFill/>
-                </a:ln>
-              </p:spPr>
-              <p:style>
-                <a:lnRef idx="2">
-                  <a:schemeClr val="accent1">
-                    <a:shade val="15000"/>
-                  </a:schemeClr>
-                </a:lnRef>
-                <a:fillRef idx="1">
-                  <a:schemeClr val="accent1"/>
-                </a:fillRef>
-                <a:effectRef idx="0">
-                  <a:schemeClr val="accent1"/>
-                </a:effectRef>
-                <a:fontRef idx="minor">
-                  <a:schemeClr val="lt1"/>
-                </a:fontRef>
-              </p:style>
-              <p:txBody>
-                <a:bodyPr rtlCol="0" anchor="ctr"/>
-                <a:lstStyle/>
-                <a:p>
-                  <a:pPr algn="ctr"/>
-                  <a:r>
-                    <a:rPr lang="da-DK" sz="1100" dirty="0">
-                      <a:solidFill>
-                        <a:schemeClr val="tx1"/>
-                      </a:solidFill>
-                    </a:rPr>
-                    <a:t>Frustrated</a:t>
-                  </a:r>
-                  <a:endParaRPr lang="en-US" sz="1100" dirty="0">
-                    <a:solidFill>
-                      <a:schemeClr val="tx1"/>
-                    </a:solidFill>
-                  </a:endParaRPr>
-                </a:p>
-              </p:txBody>
-            </p:sp>
-          </p:grpSp>
-        </p:grpSp>
-      </p:grpSp>
-      <p:sp>
-        <p:nvSpPr>
-          <p:cNvPr id="34" name="TextBox 33">
-            <a:extLst>
-              <a:ext uri="{FF2B5EF4-FFF2-40B4-BE49-F238E27FC236}">
-                <a16:creationId xmlns:a16="http://schemas.microsoft.com/office/drawing/2014/main" id="{2B304E98-E917-F047-3059-DAEDAC817F3D}"/>
-              </a:ext>
-            </a:extLst>
-          </p:cNvPr>
-          <p:cNvSpPr txBox="1"/>
-          <p:nvPr/>
-        </p:nvSpPr>
-        <p:spPr>
-          <a:xfrm>
-            <a:off x="4428301" y="2121340"/>
-            <a:ext cx="422949" cy="323165"/>
-          </a:xfrm>
-          <a:prstGeom prst="rect">
-            <a:avLst/>
-          </a:prstGeom>
-          <a:noFill/>
-        </p:spPr>
-        <p:txBody>
-          <a:bodyPr wrap="square" rtlCol="0">
-            <a:spAutoFit/>
-          </a:bodyPr>
-          <a:lstStyle/>
-          <a:p>
-            <a:r>
-              <a:rPr lang="da-DK" sz="1500" dirty="0"/>
-              <a:t>U1</a:t>
-            </a:r>
-            <a:endParaRPr lang="en-US" sz="1500" dirty="0"/>
-          </a:p>
-        </p:txBody>
-      </p:sp>
-    </p:spTree>
-    <p:extLst>
-      <p:ext uri="{BB962C8B-B14F-4D97-AF65-F5344CB8AC3E}">
-        <p14:creationId xmlns:p14="http://schemas.microsoft.com/office/powerpoint/2010/main" val="653544445"/>
-      </p:ext>
-    </p:extLst>
-  </p:cSld>
-  <p:clrMapOvr>
-    <a:masterClrMapping/>
-  </p:clrMapOvr>
-</p:sld>
-</file>
-
-<file path=ppt/slides/slide2.xml><?xml version="1.0" encoding="utf-8"?>
-<p:sld xmlns:a="http://schemas.openxmlformats.org/drawingml/2006/main" xmlns:r="http://schemas.openxmlformats.org/officeDocument/2006/relationships" xmlns:p="http://schemas.openxmlformats.org/presentationml/2006/main">
-  <p:cSld>
-    <p:spTree>
-      <p:nvGrpSpPr>
-        <p:cNvPr id="1" name=""/>
-        <p:cNvGrpSpPr/>
-        <p:nvPr/>
-      </p:nvGrpSpPr>
-      <p:grpSpPr>
-        <a:xfrm>
-          <a:off x="0" y="0"/>
-          <a:ext cx="0" cy="0"/>
-          <a:chOff x="0" y="0"/>
-          <a:chExt cx="0" cy="0"/>
-        </a:xfrm>
-      </p:grpSpPr>
-      <p:grpSp>
-        <p:nvGrpSpPr>
-          <p:cNvPr id="5" name="Group 4">
-            <a:extLst>
-              <a:ext uri="{FF2B5EF4-FFF2-40B4-BE49-F238E27FC236}">
-                <a16:creationId xmlns:a16="http://schemas.microsoft.com/office/drawing/2014/main" id="{179EA0A3-EF49-6A39-48E7-784241C9CACF}"/>
-              </a:ext>
-            </a:extLst>
-          </p:cNvPr>
-          <p:cNvGrpSpPr/>
-          <p:nvPr/>
-        </p:nvGrpSpPr>
-        <p:grpSpPr>
-          <a:xfrm>
-            <a:off x="4412381" y="1969074"/>
-            <a:ext cx="1718547" cy="609026"/>
-            <a:chOff x="4412381" y="1969074"/>
-            <a:chExt cx="1718547" cy="609026"/>
-          </a:xfrm>
-        </p:grpSpPr>
-        <p:sp>
-          <p:nvSpPr>
-            <p:cNvPr id="18" name="Trapezoid 17">
-              <a:extLst>
-                <a:ext uri="{FF2B5EF4-FFF2-40B4-BE49-F238E27FC236}">
-                  <a16:creationId xmlns:a16="http://schemas.microsoft.com/office/drawing/2014/main" id="{A5602970-A38C-E118-44C8-41862BF30A8A}"/>
-                </a:ext>
-              </a:extLst>
-            </p:cNvPr>
-            <p:cNvSpPr/>
-            <p:nvPr/>
-          </p:nvSpPr>
-          <p:spPr>
-            <a:xfrm rot="5400000">
-              <a:off x="4330191" y="2051264"/>
-              <a:ext cx="603250" cy="438870"/>
-            </a:xfrm>
-            <a:prstGeom prst="trapezoid">
-              <a:avLst/>
-            </a:prstGeom>
-            <a:gradFill flip="none" rotWithShape="0">
-              <a:gsLst>
-                <a:gs pos="100000">
-                  <a:srgbClr val="8ED973">
-                    <a:tint val="66000"/>
-                    <a:satMod val="160000"/>
-                  </a:srgbClr>
-                </a:gs>
-                <a:gs pos="25000">
-                  <a:srgbClr val="8ED973"/>
-                </a:gs>
-                <a:gs pos="100000">
-                  <a:srgbClr val="8ED973">
-                    <a:tint val="23500"/>
-                    <a:satMod val="160000"/>
-                  </a:srgbClr>
-                </a:gs>
-              </a:gsLst>
-              <a:lin ang="10800000" scaled="1"/>
-              <a:tileRect/>
-            </a:gradFill>
-            <a:ln>
-              <a:noFill/>
-            </a:ln>
-          </p:spPr>
-          <p:style>
-            <a:lnRef idx="2">
-              <a:schemeClr val="accent1">
-                <a:shade val="15000"/>
-              </a:schemeClr>
-            </a:lnRef>
-            <a:fillRef idx="1">
-              <a:schemeClr val="accent1"/>
-            </a:fillRef>
-            <a:effectRef idx="0">
-              <a:schemeClr val="accent1"/>
-            </a:effectRef>
-            <a:fontRef idx="minor">
-              <a:schemeClr val="lt1"/>
-            </a:fontRef>
-          </p:style>
-          <p:txBody>
-            <a:bodyPr rtlCol="0" anchor="ctr"/>
-            <a:lstStyle/>
-            <a:p>
-              <a:pPr algn="ctr"/>
-              <a:endParaRPr lang="en-US" dirty="0"/>
-            </a:p>
-          </p:txBody>
-        </p:sp>
-        <p:sp>
-          <p:nvSpPr>
-            <p:cNvPr id="4" name="Rectangle 3">
-              <a:extLst>
-                <a:ext uri="{FF2B5EF4-FFF2-40B4-BE49-F238E27FC236}">
-                  <a16:creationId xmlns:a16="http://schemas.microsoft.com/office/drawing/2014/main" id="{6FBFBDF9-58CF-F8F5-4352-F8F8ADF564E2}"/>
+                  <a16:creationId xmlns:a16="http://schemas.microsoft.com/office/drawing/2014/main" id="{F351E8C0-9B39-39BC-7B15-387FC7DC2490}"/>
                 </a:ext>
               </a:extLst>
             </p:cNvPr>
@@ -4175,18 +3508,24 @@
           </p:nvSpPr>
           <p:spPr>
             <a:xfrm>
-              <a:off x="4932218" y="2078181"/>
-              <a:ext cx="678873" cy="387927"/>
+              <a:off x="2362184" y="1956946"/>
+              <a:ext cx="1692987" cy="136555"/>
             </a:xfrm>
             <a:prstGeom prst="rect">
               <a:avLst/>
             </a:prstGeom>
-            <a:solidFill>
-              <a:schemeClr val="accent6">
-                <a:lumMod val="60000"/>
-                <a:lumOff val="40000"/>
-              </a:schemeClr>
-            </a:solidFill>
+            <a:gradFill flip="none" rotWithShape="0">
+              <a:gsLst>
+                <a:gs pos="14000">
+                  <a:srgbClr val="FF6534"/>
+                </a:gs>
+                <a:gs pos="100000">
+                  <a:schemeClr val="bg1"/>
+                </a:gs>
+              </a:gsLst>
+              <a:lin ang="10800000" scaled="0"/>
+              <a:tileRect/>
+            </a:gradFill>
             <a:ln w="38100">
               <a:noFill/>
             </a:ln>
@@ -4213,14 +3552,46 @@
             <a:p>
               <a:pPr algn="ctr"/>
               <a:r>
-                <a:rPr lang="da-DK" sz="1500" dirty="0">
+                <a:rPr lang="da-DK" sz="1100" dirty="0" err="1">
                   <a:solidFill>
                     <a:schemeClr val="tx1"/>
                   </a:solidFill>
                 </a:rPr>
-                <a:t>???</a:t>
+                <a:t>Temperature</a:t>
               </a:r>
-              <a:endParaRPr lang="en-US" sz="1500" dirty="0">
+              <a:r>
+                <a:rPr lang="da-DK" sz="1100" dirty="0">
+                  <a:solidFill>
+                    <a:schemeClr val="tx1"/>
+                  </a:solidFill>
+                </a:rPr>
+                <a:t> </a:t>
+              </a:r>
+              <a:r>
+                <a:rPr lang="da-DK" sz="1100" dirty="0" err="1">
+                  <a:solidFill>
+                    <a:schemeClr val="tx1"/>
+                  </a:solidFill>
+                </a:rPr>
+                <a:t>slope</a:t>
+              </a:r>
+              <a:r>
+                <a:rPr lang="da-DK" sz="1100" dirty="0">
+                  <a:solidFill>
+                    <a:schemeClr val="tx1"/>
+                  </a:solidFill>
+                </a:rPr>
+                <a:t> </a:t>
+              </a:r>
+              <a:r>
+                <a:rPr lang="da-DK" sz="1100" dirty="0" err="1">
+                  <a:solidFill>
+                    <a:schemeClr val="tx1"/>
+                  </a:solidFill>
+                </a:rPr>
+                <a:t>mean</a:t>
+              </a:r>
+              <a:endParaRPr lang="en-US" sz="1100" dirty="0">
                 <a:solidFill>
                   <a:schemeClr val="tx1"/>
                 </a:solidFill>
@@ -4230,10 +3601,10 @@
         </p:sp>
         <p:sp>
           <p:nvSpPr>
-            <p:cNvPr id="10" name="Trapezoid 9">
+            <p:cNvPr id="5" name="Rectangle 4">
               <a:extLst>
                 <a:ext uri="{FF2B5EF4-FFF2-40B4-BE49-F238E27FC236}">
-                  <a16:creationId xmlns:a16="http://schemas.microsoft.com/office/drawing/2014/main" id="{81CAC35F-86D3-D5BE-AE1F-9CA8CF67B73D}"/>
+                  <a16:creationId xmlns:a16="http://schemas.microsoft.com/office/drawing/2014/main" id="{EF1A3FE6-AD81-11DC-EFA5-C8FE909972C6}"/>
                 </a:ext>
               </a:extLst>
             </p:cNvPr>
@@ -4241,35 +3612,26 @@
             <p:nvPr/>
           </p:nvSpPr>
           <p:spPr>
-            <a:xfrm rot="16200000">
-              <a:off x="5609868" y="2057040"/>
-              <a:ext cx="603250" cy="438870"/>
+            <a:xfrm>
+              <a:off x="2364784" y="2124064"/>
+              <a:ext cx="1692988" cy="136555"/>
             </a:xfrm>
-            <a:prstGeom prst="trapezoid">
+            <a:prstGeom prst="rect">
               <a:avLst/>
             </a:prstGeom>
             <a:gradFill flip="none" rotWithShape="0">
               <a:gsLst>
-                <a:gs pos="100000">
-                  <a:srgbClr val="8ED973">
-                    <a:tint val="66000"/>
-                    <a:satMod val="160000"/>
-                  </a:srgbClr>
-                </a:gs>
-                <a:gs pos="31000">
-                  <a:srgbClr val="8ED973"/>
+                <a:gs pos="14000">
+                  <a:srgbClr val="FF6534"/>
                 </a:gs>
                 <a:gs pos="100000">
-                  <a:srgbClr val="8ED973">
-                    <a:tint val="23500"/>
-                    <a:satMod val="160000"/>
-                  </a:srgbClr>
+                  <a:schemeClr val="bg1"/>
                 </a:gs>
               </a:gsLst>
-              <a:lin ang="0" scaled="1"/>
+              <a:lin ang="10800000" scaled="0"/>
               <a:tileRect/>
             </a:gradFill>
-            <a:ln>
+            <a:ln w="38100">
               <a:noFill/>
             </a:ln>
           </p:spPr>
@@ -4294,109 +3656,44 @@
             <a:lstStyle/>
             <a:p>
               <a:pPr algn="ctr"/>
-              <a:endParaRPr lang="en-US" dirty="0"/>
+              <a:r>
+                <a:rPr lang="da-DK" sz="1100" dirty="0" err="1">
+                  <a:solidFill>
+                    <a:schemeClr val="tx1"/>
+                  </a:solidFill>
+                </a:rPr>
+                <a:t>Temperature</a:t>
+              </a:r>
+              <a:r>
+                <a:rPr lang="da-DK" sz="1100" dirty="0">
+                  <a:solidFill>
+                    <a:schemeClr val="tx1"/>
+                  </a:solidFill>
+                </a:rPr>
+                <a:t> </a:t>
+              </a:r>
+              <a:r>
+                <a:rPr lang="da-DK" sz="1100" dirty="0" err="1">
+                  <a:solidFill>
+                    <a:schemeClr val="tx1"/>
+                  </a:solidFill>
+                </a:rPr>
+                <a:t>slope</a:t>
+              </a:r>
+              <a:endParaRPr lang="en-US" sz="1100" dirty="0">
+                <a:solidFill>
+                  <a:schemeClr val="tx1"/>
+                </a:solidFill>
+              </a:endParaRPr>
             </a:p>
           </p:txBody>
         </p:sp>
         <p:sp>
           <p:nvSpPr>
-            <p:cNvPr id="14" name="TextBox 13">
+            <p:cNvPr id="6" name="Rectangle 5">
               <a:extLst>
                 <a:ext uri="{FF2B5EF4-FFF2-40B4-BE49-F238E27FC236}">
-                  <a16:creationId xmlns:a16="http://schemas.microsoft.com/office/drawing/2014/main" id="{2A5BB842-EDD6-77B8-0CE0-05D86F3331BC}"/>
-                </a:ext>
-              </a:extLst>
-            </p:cNvPr>
-            <p:cNvSpPr txBox="1"/>
-            <p:nvPr/>
-          </p:nvSpPr>
-          <p:spPr>
-            <a:xfrm>
-              <a:off x="5707979" y="2116206"/>
-              <a:ext cx="407028" cy="323165"/>
-            </a:xfrm>
-            <a:prstGeom prst="rect">
-              <a:avLst/>
-            </a:prstGeom>
-            <a:noFill/>
-          </p:spPr>
-          <p:txBody>
-            <a:bodyPr wrap="square" rtlCol="0">
-              <a:spAutoFit/>
-            </a:bodyPr>
-            <a:lstStyle/>
-            <a:p>
-              <a:r>
-                <a:rPr lang="da-DK" sz="1500" dirty="0"/>
-                <a:t>V2</a:t>
-              </a:r>
-              <a:endParaRPr lang="en-US" sz="1500" dirty="0"/>
-            </a:p>
-          </p:txBody>
-        </p:sp>
-        <p:sp>
-          <p:nvSpPr>
-            <p:cNvPr id="34" name="TextBox 33">
-              <a:extLst>
-                <a:ext uri="{FF2B5EF4-FFF2-40B4-BE49-F238E27FC236}">
-                  <a16:creationId xmlns:a16="http://schemas.microsoft.com/office/drawing/2014/main" id="{2B304E98-E917-F047-3059-DAEDAC817F3D}"/>
-                </a:ext>
-              </a:extLst>
-            </p:cNvPr>
-            <p:cNvSpPr txBox="1"/>
-            <p:nvPr/>
-          </p:nvSpPr>
-          <p:spPr>
-            <a:xfrm>
-              <a:off x="4428301" y="2121340"/>
-              <a:ext cx="422949" cy="323165"/>
-            </a:xfrm>
-            <a:prstGeom prst="rect">
-              <a:avLst/>
-            </a:prstGeom>
-            <a:noFill/>
-          </p:spPr>
-          <p:txBody>
-            <a:bodyPr wrap="square" rtlCol="0">
-              <a:spAutoFit/>
-            </a:bodyPr>
-            <a:lstStyle/>
-            <a:p>
-              <a:r>
-                <a:rPr lang="da-DK" sz="1500" dirty="0"/>
-                <a:t>U2</a:t>
-              </a:r>
-              <a:endParaRPr lang="en-US" sz="1500" dirty="0"/>
-            </a:p>
-          </p:txBody>
-        </p:sp>
-      </p:grpSp>
-      <p:grpSp>
-        <p:nvGrpSpPr>
-          <p:cNvPr id="6" name="Group 5">
-            <a:extLst>
-              <a:ext uri="{FF2B5EF4-FFF2-40B4-BE49-F238E27FC236}">
-                <a16:creationId xmlns:a16="http://schemas.microsoft.com/office/drawing/2014/main" id="{0B42A6A4-2906-8F49-5477-28374E0F26F7}"/>
-              </a:ext>
-            </a:extLst>
-          </p:cNvPr>
-          <p:cNvGrpSpPr/>
-          <p:nvPr/>
-        </p:nvGrpSpPr>
-        <p:grpSpPr>
-          <a:xfrm>
-            <a:off x="2755106" y="1972031"/>
-            <a:ext cx="1578849" cy="598105"/>
-            <a:chOff x="2755106" y="1972031"/>
-            <a:chExt cx="1578849" cy="598105"/>
-          </a:xfrm>
-        </p:grpSpPr>
-        <p:sp>
-          <p:nvSpPr>
-            <p:cNvPr id="24" name="Rectangle 23">
-              <a:extLst>
-                <a:ext uri="{FF2B5EF4-FFF2-40B4-BE49-F238E27FC236}">
-                  <a16:creationId xmlns:a16="http://schemas.microsoft.com/office/drawing/2014/main" id="{B176D383-33AB-63C5-F84E-3DEB9A9882D1}"/>
+                  <a16:creationId xmlns:a16="http://schemas.microsoft.com/office/drawing/2014/main" id="{D5748D41-BFC5-F33F-535E-93D56F5F3CDD}"/>
                 </a:ext>
               </a:extLst>
             </p:cNvPr>
@@ -4405,25 +3702,19 @@
           </p:nvSpPr>
           <p:spPr>
             <a:xfrm>
-              <a:off x="2755106" y="1972031"/>
-              <a:ext cx="1578849" cy="186969"/>
+              <a:off x="2359031" y="2286183"/>
+              <a:ext cx="1692989" cy="136555"/>
             </a:xfrm>
             <a:prstGeom prst="rect">
               <a:avLst/>
             </a:prstGeom>
             <a:gradFill flip="none" rotWithShape="0">
               <a:gsLst>
-                <a:gs pos="0">
-                  <a:srgbClr val="8ED973">
-                    <a:tint val="66000"/>
-                    <a:satMod val="160000"/>
-                  </a:srgbClr>
+                <a:gs pos="14000">
+                  <a:srgbClr val="FF6534"/>
                 </a:gs>
                 <a:gs pos="100000">
-                  <a:schemeClr val="accent1">
-                    <a:lumMod val="40000"/>
-                    <a:lumOff val="60000"/>
-                  </a:schemeClr>
+                  <a:schemeClr val="bg1"/>
                 </a:gs>
               </a:gsLst>
               <a:lin ang="10800000" scaled="0"/>
@@ -4460,7 +3751,31 @@
                     <a:schemeClr val="tx1"/>
                   </a:solidFill>
                 </a:rPr>
-                <a:t>Temperature slope</a:t>
+                <a:t>EDA </a:t>
+              </a:r>
+              <a:r>
+                <a:rPr lang="da-DK" sz="1100" dirty="0" err="1">
+                  <a:solidFill>
+                    <a:schemeClr val="tx1"/>
+                  </a:solidFill>
+                </a:rPr>
+                <a:t>slope</a:t>
+              </a:r>
+              <a:r>
+                <a:rPr lang="da-DK" sz="1100" dirty="0">
+                  <a:solidFill>
+                    <a:schemeClr val="tx1"/>
+                  </a:solidFill>
+                </a:rPr>
+                <a:t> </a:t>
+              </a:r>
+              <a:r>
+                <a:rPr lang="da-DK" sz="1100" dirty="0" err="1">
+                  <a:solidFill>
+                    <a:schemeClr val="tx1"/>
+                  </a:solidFill>
+                </a:rPr>
+                <a:t>mean</a:t>
               </a:r>
               <a:endParaRPr lang="en-US" sz="1100" dirty="0">
                 <a:solidFill>
@@ -4472,10 +3787,10 @@
         </p:sp>
         <p:sp>
           <p:nvSpPr>
-            <p:cNvPr id="2" name="Rectangle 1">
+            <p:cNvPr id="11" name="Rectangle 10">
               <a:extLst>
                 <a:ext uri="{FF2B5EF4-FFF2-40B4-BE49-F238E27FC236}">
-                  <a16:creationId xmlns:a16="http://schemas.microsoft.com/office/drawing/2014/main" id="{599467F2-8C31-C7D8-B17F-E648A07C5CB8}"/>
+                  <a16:creationId xmlns:a16="http://schemas.microsoft.com/office/drawing/2014/main" id="{42FB20AB-4AF0-0BB0-83AC-8A1EDB7FA4EC}"/>
                 </a:ext>
               </a:extLst>
             </p:cNvPr>
@@ -4484,25 +3799,19 @@
           </p:nvSpPr>
           <p:spPr>
             <a:xfrm>
-              <a:off x="2755106" y="2177599"/>
-              <a:ext cx="1578848" cy="186969"/>
+              <a:off x="2359031" y="2447229"/>
+              <a:ext cx="1692989" cy="136555"/>
             </a:xfrm>
             <a:prstGeom prst="rect">
               <a:avLst/>
             </a:prstGeom>
             <a:gradFill flip="none" rotWithShape="0">
               <a:gsLst>
-                <a:gs pos="0">
-                  <a:srgbClr val="8ED973">
-                    <a:tint val="66000"/>
-                    <a:satMod val="160000"/>
-                  </a:srgbClr>
+                <a:gs pos="14000">
+                  <a:srgbClr val="FF6534"/>
                 </a:gs>
                 <a:gs pos="100000">
-                  <a:schemeClr val="accent1">
-                    <a:lumMod val="40000"/>
-                    <a:lumOff val="60000"/>
-                  </a:schemeClr>
+                  <a:schemeClr val="bg1"/>
                 </a:gs>
               </a:gsLst>
               <a:lin ang="10800000" scaled="0"/>
@@ -4539,7 +3848,2280 @@
                     <a:schemeClr val="tx1"/>
                   </a:solidFill>
                 </a:rPr>
-                <a:t>Temperature slope min</a:t>
+                <a:t>EDA </a:t>
+              </a:r>
+              <a:r>
+                <a:rPr lang="da-DK" sz="1100" dirty="0" err="1">
+                  <a:solidFill>
+                    <a:schemeClr val="tx1"/>
+                  </a:solidFill>
+                </a:rPr>
+                <a:t>slope</a:t>
+              </a:r>
+              <a:endParaRPr lang="en-US" sz="1100" dirty="0">
+                <a:solidFill>
+                  <a:schemeClr val="tx1"/>
+                </a:solidFill>
+              </a:endParaRPr>
+            </a:p>
+          </p:txBody>
+        </p:sp>
+      </p:grpSp>
+      <p:grpSp>
+        <p:nvGrpSpPr>
+          <p:cNvPr id="27" name="Group 26">
+            <a:extLst>
+              <a:ext uri="{FF2B5EF4-FFF2-40B4-BE49-F238E27FC236}">
+                <a16:creationId xmlns:a16="http://schemas.microsoft.com/office/drawing/2014/main" id="{C3AAB70A-E6E3-6087-CDAF-5181FE646011}"/>
+              </a:ext>
+            </a:extLst>
+          </p:cNvPr>
+          <p:cNvGrpSpPr/>
+          <p:nvPr/>
+        </p:nvGrpSpPr>
+        <p:grpSpPr>
+          <a:xfrm>
+            <a:off x="4260850" y="2094608"/>
+            <a:ext cx="2239189" cy="387927"/>
+            <a:chOff x="4260850" y="2094608"/>
+            <a:chExt cx="2239189" cy="387927"/>
+          </a:xfrm>
+        </p:grpSpPr>
+        <p:sp>
+          <p:nvSpPr>
+            <p:cNvPr id="4" name="Rectangle 3">
+              <a:extLst>
+                <a:ext uri="{FF2B5EF4-FFF2-40B4-BE49-F238E27FC236}">
+                  <a16:creationId xmlns:a16="http://schemas.microsoft.com/office/drawing/2014/main" id="{6FBFBDF9-58CF-F8F5-4352-F8F8ADF564E2}"/>
+                </a:ext>
+              </a:extLst>
+            </p:cNvPr>
+            <p:cNvSpPr/>
+            <p:nvPr/>
+          </p:nvSpPr>
+          <p:spPr>
+            <a:xfrm>
+              <a:off x="5041008" y="2094608"/>
+              <a:ext cx="678873" cy="387927"/>
+            </a:xfrm>
+            <a:prstGeom prst="rect">
+              <a:avLst/>
+            </a:prstGeom>
+            <a:solidFill>
+              <a:srgbClr val="FF5722"/>
+            </a:solidFill>
+            <a:ln w="38100">
+              <a:noFill/>
+            </a:ln>
+          </p:spPr>
+          <p:style>
+            <a:lnRef idx="2">
+              <a:schemeClr val="accent1">
+                <a:shade val="15000"/>
+              </a:schemeClr>
+            </a:lnRef>
+            <a:fillRef idx="1">
+              <a:schemeClr val="accent1"/>
+            </a:fillRef>
+            <a:effectRef idx="0">
+              <a:schemeClr val="accent1"/>
+            </a:effectRef>
+            <a:fontRef idx="minor">
+              <a:schemeClr val="lt1"/>
+            </a:fontRef>
+          </p:style>
+          <p:txBody>
+            <a:bodyPr rtlCol="0" anchor="ctr"/>
+            <a:lstStyle/>
+            <a:p>
+              <a:pPr algn="ctr"/>
+              <a:r>
+                <a:rPr lang="da-DK" dirty="0">
+                  <a:solidFill>
+                    <a:schemeClr val="tx1"/>
+                  </a:solidFill>
+                </a:rPr>
+                <a:t>0.70</a:t>
+              </a:r>
+              <a:endParaRPr lang="en-US" dirty="0">
+                <a:solidFill>
+                  <a:schemeClr val="tx1"/>
+                </a:solidFill>
+              </a:endParaRPr>
+            </a:p>
+          </p:txBody>
+        </p:sp>
+        <p:sp>
+          <p:nvSpPr>
+            <p:cNvPr id="16" name="Arrow: Right 15">
+              <a:extLst>
+                <a:ext uri="{FF2B5EF4-FFF2-40B4-BE49-F238E27FC236}">
+                  <a16:creationId xmlns:a16="http://schemas.microsoft.com/office/drawing/2014/main" id="{74A83CD0-C0B4-EB04-3C3F-617D5930FB52}"/>
+                </a:ext>
+              </a:extLst>
+            </p:cNvPr>
+            <p:cNvSpPr/>
+            <p:nvPr/>
+          </p:nvSpPr>
+          <p:spPr>
+            <a:xfrm>
+              <a:off x="4260850" y="2128448"/>
+              <a:ext cx="574481" cy="296917"/>
+            </a:xfrm>
+            <a:prstGeom prst="rightArrow">
+              <a:avLst/>
+            </a:prstGeom>
+            <a:solidFill>
+              <a:srgbClr val="FF5722"/>
+            </a:solidFill>
+            <a:ln>
+              <a:solidFill>
+                <a:srgbClr val="FF5722"/>
+              </a:solidFill>
+            </a:ln>
+          </p:spPr>
+          <p:style>
+            <a:lnRef idx="2">
+              <a:schemeClr val="accent1">
+                <a:shade val="15000"/>
+              </a:schemeClr>
+            </a:lnRef>
+            <a:fillRef idx="1">
+              <a:schemeClr val="accent1"/>
+            </a:fillRef>
+            <a:effectRef idx="0">
+              <a:schemeClr val="accent1"/>
+            </a:effectRef>
+            <a:fontRef idx="minor">
+              <a:schemeClr val="lt1"/>
+            </a:fontRef>
+          </p:style>
+          <p:txBody>
+            <a:bodyPr rtlCol="0" anchor="ctr"/>
+            <a:lstStyle/>
+            <a:p>
+              <a:pPr algn="ctr"/>
+              <a:endParaRPr lang="en-US" dirty="0">
+                <a:solidFill>
+                  <a:schemeClr val="tx1"/>
+                </a:solidFill>
+              </a:endParaRPr>
+            </a:p>
+          </p:txBody>
+        </p:sp>
+        <p:grpSp>
+          <p:nvGrpSpPr>
+            <p:cNvPr id="25" name="Group 24">
+              <a:extLst>
+                <a:ext uri="{FF2B5EF4-FFF2-40B4-BE49-F238E27FC236}">
+                  <a16:creationId xmlns:a16="http://schemas.microsoft.com/office/drawing/2014/main" id="{90D6EB14-B726-0BDC-DA12-9C5E544F105F}"/>
+                </a:ext>
+              </a:extLst>
+            </p:cNvPr>
+            <p:cNvGrpSpPr/>
+            <p:nvPr/>
+          </p:nvGrpSpPr>
+          <p:grpSpPr>
+            <a:xfrm>
+              <a:off x="5921240" y="2124064"/>
+              <a:ext cx="578799" cy="323165"/>
+              <a:chOff x="4470218" y="3022267"/>
+              <a:chExt cx="578799" cy="323165"/>
+            </a:xfrm>
+          </p:grpSpPr>
+          <p:sp>
+            <p:nvSpPr>
+              <p:cNvPr id="21" name="Arrow: Right 20">
+                <a:extLst>
+                  <a:ext uri="{FF2B5EF4-FFF2-40B4-BE49-F238E27FC236}">
+                    <a16:creationId xmlns:a16="http://schemas.microsoft.com/office/drawing/2014/main" id="{012E282C-F117-CCD6-CE81-FC23C91719DB}"/>
+                  </a:ext>
+                </a:extLst>
+              </p:cNvPr>
+              <p:cNvSpPr/>
+              <p:nvPr/>
+            </p:nvSpPr>
+            <p:spPr>
+              <a:xfrm rot="10800000">
+                <a:off x="4470218" y="3025147"/>
+                <a:ext cx="574481" cy="296917"/>
+              </a:xfrm>
+              <a:prstGeom prst="rightArrow">
+                <a:avLst/>
+              </a:prstGeom>
+              <a:solidFill>
+                <a:srgbClr val="FF5722"/>
+              </a:solidFill>
+              <a:ln>
+                <a:solidFill>
+                  <a:srgbClr val="FF5722"/>
+                </a:solidFill>
+              </a:ln>
+            </p:spPr>
+            <p:style>
+              <a:lnRef idx="2">
+                <a:schemeClr val="accent1">
+                  <a:shade val="15000"/>
+                </a:schemeClr>
+              </a:lnRef>
+              <a:fillRef idx="1">
+                <a:schemeClr val="accent1"/>
+              </a:fillRef>
+              <a:effectRef idx="0">
+                <a:schemeClr val="accent1"/>
+              </a:effectRef>
+              <a:fontRef idx="minor">
+                <a:schemeClr val="lt1"/>
+              </a:fontRef>
+            </p:style>
+            <p:txBody>
+              <a:bodyPr rtlCol="0" anchor="ctr"/>
+              <a:lstStyle/>
+              <a:p>
+                <a:pPr algn="ctr"/>
+                <a:endParaRPr lang="en-US" dirty="0">
+                  <a:solidFill>
+                    <a:schemeClr val="tx1"/>
+                  </a:solidFill>
+                </a:endParaRPr>
+              </a:p>
+            </p:txBody>
+          </p:sp>
+          <p:sp>
+            <p:nvSpPr>
+              <p:cNvPr id="23" name="TextBox 22">
+                <a:extLst>
+                  <a:ext uri="{FF2B5EF4-FFF2-40B4-BE49-F238E27FC236}">
+                    <a16:creationId xmlns:a16="http://schemas.microsoft.com/office/drawing/2014/main" id="{387E8C34-305D-348C-E7A7-D350A1061E57}"/>
+                  </a:ext>
+                </a:extLst>
+              </p:cNvPr>
+              <p:cNvSpPr txBox="1"/>
+              <p:nvPr/>
+            </p:nvSpPr>
+            <p:spPr>
+              <a:xfrm>
+                <a:off x="4610148" y="3022267"/>
+                <a:ext cx="438869" cy="323165"/>
+              </a:xfrm>
+              <a:prstGeom prst="rect">
+                <a:avLst/>
+              </a:prstGeom>
+              <a:noFill/>
+            </p:spPr>
+            <p:txBody>
+              <a:bodyPr wrap="square" rtlCol="0">
+                <a:spAutoFit/>
+              </a:bodyPr>
+              <a:lstStyle/>
+              <a:p>
+                <a:r>
+                  <a:rPr lang="da-DK" sz="1500" dirty="0"/>
+                  <a:t>U1</a:t>
+                </a:r>
+                <a:endParaRPr lang="en-US" sz="1500" dirty="0"/>
+              </a:p>
+            </p:txBody>
+          </p:sp>
+        </p:grpSp>
+      </p:grpSp>
+      <p:sp>
+        <p:nvSpPr>
+          <p:cNvPr id="26" name="TextBox 25">
+            <a:extLst>
+              <a:ext uri="{FF2B5EF4-FFF2-40B4-BE49-F238E27FC236}">
+                <a16:creationId xmlns:a16="http://schemas.microsoft.com/office/drawing/2014/main" id="{EB2C7BA8-AE61-247C-2D9D-94A95D1DAB2A}"/>
+              </a:ext>
+            </a:extLst>
+          </p:cNvPr>
+          <p:cNvSpPr txBox="1"/>
+          <p:nvPr/>
+        </p:nvSpPr>
+        <p:spPr>
+          <a:xfrm>
+            <a:off x="4328655" y="2118690"/>
+            <a:ext cx="438869" cy="323165"/>
+          </a:xfrm>
+          <a:prstGeom prst="rect">
+            <a:avLst/>
+          </a:prstGeom>
+          <a:noFill/>
+        </p:spPr>
+        <p:txBody>
+          <a:bodyPr wrap="square" rtlCol="0">
+            <a:spAutoFit/>
+          </a:bodyPr>
+          <a:lstStyle/>
+          <a:p>
+            <a:r>
+              <a:rPr lang="da-DK" sz="1500" dirty="0"/>
+              <a:t>V1</a:t>
+            </a:r>
+            <a:endParaRPr lang="en-US" sz="1500" dirty="0"/>
+          </a:p>
+        </p:txBody>
+      </p:sp>
+      <p:cxnSp>
+        <p:nvCxnSpPr>
+          <p:cNvPr id="33" name="Straight Connector 32">
+            <a:extLst>
+              <a:ext uri="{FF2B5EF4-FFF2-40B4-BE49-F238E27FC236}">
+                <a16:creationId xmlns:a16="http://schemas.microsoft.com/office/drawing/2014/main" id="{462DB483-F677-1537-A02C-88305D1A7916}"/>
+              </a:ext>
+            </a:extLst>
+          </p:cNvPr>
+          <p:cNvCxnSpPr>
+            <a:cxnSpLocks/>
+            <a:stCxn id="2" idx="3"/>
+            <a:endCxn id="16" idx="1"/>
+          </p:cNvCxnSpPr>
+          <p:nvPr/>
+        </p:nvCxnSpPr>
+        <p:spPr>
+          <a:xfrm>
+            <a:off x="4051442" y="2030261"/>
+            <a:ext cx="209408" cy="246646"/>
+          </a:xfrm>
+          <a:prstGeom prst="line">
+            <a:avLst/>
+          </a:prstGeom>
+          <a:ln>
+            <a:solidFill>
+              <a:srgbClr val="FF6534"/>
+            </a:solidFill>
+          </a:ln>
+        </p:spPr>
+        <p:style>
+          <a:lnRef idx="2">
+            <a:schemeClr val="accent1"/>
+          </a:lnRef>
+          <a:fillRef idx="0">
+            <a:schemeClr val="accent1"/>
+          </a:fillRef>
+          <a:effectRef idx="1">
+            <a:schemeClr val="accent1"/>
+          </a:effectRef>
+          <a:fontRef idx="minor">
+            <a:schemeClr val="tx1"/>
+          </a:fontRef>
+        </p:style>
+      </p:cxnSp>
+      <p:cxnSp>
+        <p:nvCxnSpPr>
+          <p:cNvPr id="37" name="Straight Connector 36">
+            <a:extLst>
+              <a:ext uri="{FF2B5EF4-FFF2-40B4-BE49-F238E27FC236}">
+                <a16:creationId xmlns:a16="http://schemas.microsoft.com/office/drawing/2014/main" id="{D1C66E14-2D16-E1BC-BBE9-CE9B418A2E8D}"/>
+              </a:ext>
+            </a:extLst>
+          </p:cNvPr>
+          <p:cNvCxnSpPr>
+            <a:cxnSpLocks/>
+            <a:stCxn id="5" idx="3"/>
+            <a:endCxn id="16" idx="1"/>
+          </p:cNvCxnSpPr>
+          <p:nvPr/>
+        </p:nvCxnSpPr>
+        <p:spPr>
+          <a:xfrm>
+            <a:off x="4054043" y="2197379"/>
+            <a:ext cx="206807" cy="79528"/>
+          </a:xfrm>
+          <a:prstGeom prst="line">
+            <a:avLst/>
+          </a:prstGeom>
+          <a:ln>
+            <a:solidFill>
+              <a:srgbClr val="FF6534"/>
+            </a:solidFill>
+          </a:ln>
+        </p:spPr>
+        <p:style>
+          <a:lnRef idx="2">
+            <a:schemeClr val="accent1"/>
+          </a:lnRef>
+          <a:fillRef idx="0">
+            <a:schemeClr val="accent1"/>
+          </a:fillRef>
+          <a:effectRef idx="1">
+            <a:schemeClr val="accent1"/>
+          </a:effectRef>
+          <a:fontRef idx="minor">
+            <a:schemeClr val="tx1"/>
+          </a:fontRef>
+        </p:style>
+      </p:cxnSp>
+      <p:cxnSp>
+        <p:nvCxnSpPr>
+          <p:cNvPr id="40" name="Straight Connector 39">
+            <a:extLst>
+              <a:ext uri="{FF2B5EF4-FFF2-40B4-BE49-F238E27FC236}">
+                <a16:creationId xmlns:a16="http://schemas.microsoft.com/office/drawing/2014/main" id="{0285A80B-58E0-6E53-DDC3-A77436A50D08}"/>
+              </a:ext>
+            </a:extLst>
+          </p:cNvPr>
+          <p:cNvCxnSpPr>
+            <a:cxnSpLocks/>
+            <a:stCxn id="6" idx="3"/>
+            <a:endCxn id="16" idx="1"/>
+          </p:cNvCxnSpPr>
+          <p:nvPr/>
+        </p:nvCxnSpPr>
+        <p:spPr>
+          <a:xfrm flipV="1">
+            <a:off x="4048291" y="2276907"/>
+            <a:ext cx="212559" cy="82591"/>
+          </a:xfrm>
+          <a:prstGeom prst="line">
+            <a:avLst/>
+          </a:prstGeom>
+          <a:ln>
+            <a:solidFill>
+              <a:srgbClr val="FF6534"/>
+            </a:solidFill>
+          </a:ln>
+        </p:spPr>
+        <p:style>
+          <a:lnRef idx="2">
+            <a:schemeClr val="accent1"/>
+          </a:lnRef>
+          <a:fillRef idx="0">
+            <a:schemeClr val="accent1"/>
+          </a:fillRef>
+          <a:effectRef idx="1">
+            <a:schemeClr val="accent1"/>
+          </a:effectRef>
+          <a:fontRef idx="minor">
+            <a:schemeClr val="tx1"/>
+          </a:fontRef>
+        </p:style>
+      </p:cxnSp>
+      <p:cxnSp>
+        <p:nvCxnSpPr>
+          <p:cNvPr id="43" name="Straight Connector 42">
+            <a:extLst>
+              <a:ext uri="{FF2B5EF4-FFF2-40B4-BE49-F238E27FC236}">
+                <a16:creationId xmlns:a16="http://schemas.microsoft.com/office/drawing/2014/main" id="{F23C114F-8CBC-7C94-0ED2-7F616335BFDE}"/>
+              </a:ext>
+            </a:extLst>
+          </p:cNvPr>
+          <p:cNvCxnSpPr>
+            <a:cxnSpLocks/>
+            <a:stCxn id="11" idx="3"/>
+            <a:endCxn id="16" idx="1"/>
+          </p:cNvCxnSpPr>
+          <p:nvPr/>
+        </p:nvCxnSpPr>
+        <p:spPr>
+          <a:xfrm flipV="1">
+            <a:off x="4048291" y="2276907"/>
+            <a:ext cx="212559" cy="243637"/>
+          </a:xfrm>
+          <a:prstGeom prst="line">
+            <a:avLst/>
+          </a:prstGeom>
+          <a:ln>
+            <a:solidFill>
+              <a:srgbClr val="FF6534"/>
+            </a:solidFill>
+          </a:ln>
+        </p:spPr>
+        <p:style>
+          <a:lnRef idx="2">
+            <a:schemeClr val="accent1"/>
+          </a:lnRef>
+          <a:fillRef idx="0">
+            <a:schemeClr val="accent1"/>
+          </a:fillRef>
+          <a:effectRef idx="1">
+            <a:schemeClr val="accent1"/>
+          </a:effectRef>
+          <a:fontRef idx="minor">
+            <a:schemeClr val="tx1"/>
+          </a:fontRef>
+        </p:style>
+      </p:cxnSp>
+      <p:cxnSp>
+        <p:nvCxnSpPr>
+          <p:cNvPr id="47" name="Straight Connector 46">
+            <a:extLst>
+              <a:ext uri="{FF2B5EF4-FFF2-40B4-BE49-F238E27FC236}">
+                <a16:creationId xmlns:a16="http://schemas.microsoft.com/office/drawing/2014/main" id="{A6CFF81C-ABAD-88A9-267D-00037B4649FE}"/>
+              </a:ext>
+            </a:extLst>
+          </p:cNvPr>
+          <p:cNvCxnSpPr>
+            <a:cxnSpLocks/>
+            <a:stCxn id="9" idx="1"/>
+            <a:endCxn id="21" idx="1"/>
+          </p:cNvCxnSpPr>
+          <p:nvPr/>
+        </p:nvCxnSpPr>
+        <p:spPr>
+          <a:xfrm flipH="1">
+            <a:off x="6495721" y="2011920"/>
+            <a:ext cx="209993" cy="263482"/>
+          </a:xfrm>
+          <a:prstGeom prst="line">
+            <a:avLst/>
+          </a:prstGeom>
+          <a:ln>
+            <a:solidFill>
+              <a:srgbClr val="FF6534"/>
+            </a:solidFill>
+          </a:ln>
+        </p:spPr>
+        <p:style>
+          <a:lnRef idx="2">
+            <a:schemeClr val="accent1"/>
+          </a:lnRef>
+          <a:fillRef idx="0">
+            <a:schemeClr val="accent1"/>
+          </a:fillRef>
+          <a:effectRef idx="1">
+            <a:schemeClr val="accent1"/>
+          </a:effectRef>
+          <a:fontRef idx="minor">
+            <a:schemeClr val="tx1"/>
+          </a:fontRef>
+        </p:style>
+      </p:cxnSp>
+      <p:sp>
+        <p:nvSpPr>
+          <p:cNvPr id="12" name="Rectangle 11">
+            <a:extLst>
+              <a:ext uri="{FF2B5EF4-FFF2-40B4-BE49-F238E27FC236}">
+                <a16:creationId xmlns:a16="http://schemas.microsoft.com/office/drawing/2014/main" id="{0453D5A0-51A6-E810-011E-4166B078678F}"/>
+              </a:ext>
+            </a:extLst>
+          </p:cNvPr>
+          <p:cNvSpPr/>
+          <p:nvPr/>
+        </p:nvSpPr>
+        <p:spPr>
+          <a:xfrm>
+            <a:off x="6705712" y="2440536"/>
+            <a:ext cx="1692987" cy="238588"/>
+          </a:xfrm>
+          <a:prstGeom prst="rect">
+            <a:avLst/>
+          </a:prstGeom>
+          <a:gradFill flip="none" rotWithShape="0">
+            <a:gsLst>
+              <a:gs pos="14000">
+                <a:srgbClr val="FF6534"/>
+              </a:gs>
+              <a:gs pos="100000">
+                <a:schemeClr val="bg1"/>
+              </a:gs>
+            </a:gsLst>
+            <a:lin ang="0" scaled="0"/>
+            <a:tileRect/>
+          </a:gradFill>
+          <a:ln w="38100">
+            <a:noFill/>
+          </a:ln>
+        </p:spPr>
+        <p:style>
+          <a:lnRef idx="2">
+            <a:schemeClr val="accent1">
+              <a:shade val="15000"/>
+            </a:schemeClr>
+          </a:lnRef>
+          <a:fillRef idx="1">
+            <a:schemeClr val="accent1"/>
+          </a:fillRef>
+          <a:effectRef idx="0">
+            <a:schemeClr val="accent1"/>
+          </a:effectRef>
+          <a:fontRef idx="minor">
+            <a:schemeClr val="lt1"/>
+          </a:fontRef>
+        </p:style>
+        <p:txBody>
+          <a:bodyPr rtlCol="0" anchor="ctr"/>
+          <a:lstStyle/>
+          <a:p>
+            <a:pPr algn="ctr"/>
+            <a:r>
+              <a:rPr lang="da-DK" sz="1100" dirty="0" err="1">
+                <a:solidFill>
+                  <a:schemeClr val="tx1"/>
+                </a:solidFill>
+              </a:rPr>
+              <a:t>Afraid</a:t>
+            </a:r>
+            <a:endParaRPr lang="en-US" sz="1100" dirty="0">
+              <a:solidFill>
+                <a:schemeClr val="tx1"/>
+              </a:solidFill>
+            </a:endParaRPr>
+          </a:p>
+        </p:txBody>
+      </p:sp>
+      <p:cxnSp>
+        <p:nvCxnSpPr>
+          <p:cNvPr id="13" name="Straight Connector 12">
+            <a:extLst>
+              <a:ext uri="{FF2B5EF4-FFF2-40B4-BE49-F238E27FC236}">
+                <a16:creationId xmlns:a16="http://schemas.microsoft.com/office/drawing/2014/main" id="{B5798C19-E1FB-3FA8-5BC2-B088F0C02392}"/>
+              </a:ext>
+            </a:extLst>
+          </p:cNvPr>
+          <p:cNvCxnSpPr>
+            <a:cxnSpLocks/>
+            <a:stCxn id="8" idx="1"/>
+            <a:endCxn id="23" idx="3"/>
+          </p:cNvCxnSpPr>
+          <p:nvPr/>
+        </p:nvCxnSpPr>
+        <p:spPr>
+          <a:xfrm flipH="1" flipV="1">
+            <a:off x="6500039" y="2285647"/>
+            <a:ext cx="205674" cy="228"/>
+          </a:xfrm>
+          <a:prstGeom prst="line">
+            <a:avLst/>
+          </a:prstGeom>
+          <a:ln>
+            <a:solidFill>
+              <a:srgbClr val="FF6534"/>
+            </a:solidFill>
+          </a:ln>
+        </p:spPr>
+        <p:style>
+          <a:lnRef idx="2">
+            <a:schemeClr val="accent1"/>
+          </a:lnRef>
+          <a:fillRef idx="0">
+            <a:schemeClr val="accent1"/>
+          </a:fillRef>
+          <a:effectRef idx="1">
+            <a:schemeClr val="accent1"/>
+          </a:effectRef>
+          <a:fontRef idx="minor">
+            <a:schemeClr val="tx1"/>
+          </a:fontRef>
+        </p:style>
+      </p:cxnSp>
+      <p:cxnSp>
+        <p:nvCxnSpPr>
+          <p:cNvPr id="17" name="Straight Connector 16">
+            <a:extLst>
+              <a:ext uri="{FF2B5EF4-FFF2-40B4-BE49-F238E27FC236}">
+                <a16:creationId xmlns:a16="http://schemas.microsoft.com/office/drawing/2014/main" id="{B2E54421-5148-9847-32CC-8F97B930EECF}"/>
+              </a:ext>
+            </a:extLst>
+          </p:cNvPr>
+          <p:cNvCxnSpPr>
+            <a:cxnSpLocks/>
+            <a:stCxn id="12" idx="1"/>
+            <a:endCxn id="23" idx="3"/>
+          </p:cNvCxnSpPr>
+          <p:nvPr/>
+        </p:nvCxnSpPr>
+        <p:spPr>
+          <a:xfrm flipH="1" flipV="1">
+            <a:off x="6500039" y="2285647"/>
+            <a:ext cx="205673" cy="274183"/>
+          </a:xfrm>
+          <a:prstGeom prst="line">
+            <a:avLst/>
+          </a:prstGeom>
+          <a:ln>
+            <a:solidFill>
+              <a:srgbClr val="FF6534"/>
+            </a:solidFill>
+          </a:ln>
+        </p:spPr>
+        <p:style>
+          <a:lnRef idx="2">
+            <a:schemeClr val="accent1"/>
+          </a:lnRef>
+          <a:fillRef idx="0">
+            <a:schemeClr val="accent1"/>
+          </a:fillRef>
+          <a:effectRef idx="1">
+            <a:schemeClr val="accent1"/>
+          </a:effectRef>
+          <a:fontRef idx="minor">
+            <a:schemeClr val="tx1"/>
+          </a:fontRef>
+        </p:style>
+      </p:cxnSp>
+    </p:spTree>
+    <p:extLst>
+      <p:ext uri="{BB962C8B-B14F-4D97-AF65-F5344CB8AC3E}">
+        <p14:creationId xmlns:p14="http://schemas.microsoft.com/office/powerpoint/2010/main" val="2197460438"/>
+      </p:ext>
+    </p:extLst>
+  </p:cSld>
+  <p:clrMapOvr>
+    <a:masterClrMapping/>
+  </p:clrMapOvr>
+</p:sld>
+</file>
+
+<file path=ppt/slides/slide2.xml><?xml version="1.0" encoding="utf-8"?>
+<p:sld xmlns:a="http://schemas.openxmlformats.org/drawingml/2006/main" xmlns:r="http://schemas.openxmlformats.org/officeDocument/2006/relationships" xmlns:p="http://schemas.openxmlformats.org/presentationml/2006/main">
+  <p:cSld>
+    <p:spTree>
+      <p:nvGrpSpPr>
+        <p:cNvPr id="1" name=""/>
+        <p:cNvGrpSpPr/>
+        <p:nvPr/>
+      </p:nvGrpSpPr>
+      <p:grpSpPr>
+        <a:xfrm>
+          <a:off x="0" y="0"/>
+          <a:ext cx="0" cy="0"/>
+          <a:chOff x="0" y="0"/>
+          <a:chExt cx="0" cy="0"/>
+        </a:xfrm>
+      </p:grpSpPr>
+      <p:sp>
+        <p:nvSpPr>
+          <p:cNvPr id="24" name="Rectangle 23">
+            <a:extLst>
+              <a:ext uri="{FF2B5EF4-FFF2-40B4-BE49-F238E27FC236}">
+                <a16:creationId xmlns:a16="http://schemas.microsoft.com/office/drawing/2014/main" id="{B176D383-33AB-63C5-F84E-3DEB9A9882D1}"/>
+              </a:ext>
+            </a:extLst>
+          </p:cNvPr>
+          <p:cNvSpPr/>
+          <p:nvPr/>
+        </p:nvSpPr>
+        <p:spPr>
+          <a:xfrm>
+            <a:off x="2362189" y="1930546"/>
+            <a:ext cx="1692989" cy="136555"/>
+          </a:xfrm>
+          <a:prstGeom prst="rect">
+            <a:avLst/>
+          </a:prstGeom>
+          <a:gradFill flip="none" rotWithShape="0">
+            <a:gsLst>
+              <a:gs pos="14000">
+                <a:srgbClr val="FF5722"/>
+              </a:gs>
+              <a:gs pos="100000">
+                <a:schemeClr val="bg1"/>
+              </a:gs>
+            </a:gsLst>
+            <a:lin ang="10800000" scaled="0"/>
+            <a:tileRect/>
+          </a:gradFill>
+          <a:ln w="38100">
+            <a:noFill/>
+          </a:ln>
+        </p:spPr>
+        <p:style>
+          <a:lnRef idx="2">
+            <a:schemeClr val="accent1">
+              <a:shade val="15000"/>
+            </a:schemeClr>
+          </a:lnRef>
+          <a:fillRef idx="1">
+            <a:schemeClr val="accent1"/>
+          </a:fillRef>
+          <a:effectRef idx="0">
+            <a:schemeClr val="accent1"/>
+          </a:effectRef>
+          <a:fontRef idx="minor">
+            <a:schemeClr val="lt1"/>
+          </a:fontRef>
+        </p:style>
+        <p:txBody>
+          <a:bodyPr rtlCol="0" anchor="ctr"/>
+          <a:lstStyle/>
+          <a:p>
+            <a:pPr algn="ctr"/>
+            <a:r>
+              <a:rPr lang="da-DK" sz="1100" dirty="0" err="1">
+                <a:solidFill>
+                  <a:schemeClr val="tx1"/>
+                </a:solidFill>
+              </a:rPr>
+              <a:t>Temperature</a:t>
+            </a:r>
+            <a:r>
+              <a:rPr lang="da-DK" sz="1100" dirty="0">
+                <a:solidFill>
+                  <a:schemeClr val="tx1"/>
+                </a:solidFill>
+              </a:rPr>
+              <a:t> </a:t>
+            </a:r>
+            <a:r>
+              <a:rPr lang="da-DK" sz="1100" dirty="0" err="1">
+                <a:solidFill>
+                  <a:schemeClr val="tx1"/>
+                </a:solidFill>
+              </a:rPr>
+              <a:t>slope</a:t>
+            </a:r>
+            <a:r>
+              <a:rPr lang="da-DK" sz="1100" dirty="0">
+                <a:solidFill>
+                  <a:schemeClr val="tx1"/>
+                </a:solidFill>
+              </a:rPr>
+              <a:t> min</a:t>
+            </a:r>
+            <a:endParaRPr lang="en-US" sz="1100" dirty="0">
+              <a:solidFill>
+                <a:schemeClr val="tx1"/>
+              </a:solidFill>
+            </a:endParaRPr>
+          </a:p>
+        </p:txBody>
+      </p:sp>
+      <p:sp>
+        <p:nvSpPr>
+          <p:cNvPr id="2" name="Rectangle 1">
+            <a:extLst>
+              <a:ext uri="{FF2B5EF4-FFF2-40B4-BE49-F238E27FC236}">
+                <a16:creationId xmlns:a16="http://schemas.microsoft.com/office/drawing/2014/main" id="{F351E8C0-9B39-39BC-7B15-387FC7DC2490}"/>
+              </a:ext>
+            </a:extLst>
+          </p:cNvPr>
+          <p:cNvSpPr/>
+          <p:nvPr/>
+        </p:nvSpPr>
+        <p:spPr>
+          <a:xfrm>
+            <a:off x="2362189" y="2082944"/>
+            <a:ext cx="1692987" cy="136555"/>
+          </a:xfrm>
+          <a:prstGeom prst="rect">
+            <a:avLst/>
+          </a:prstGeom>
+          <a:gradFill flip="none" rotWithShape="0">
+            <a:gsLst>
+              <a:gs pos="14000">
+                <a:srgbClr val="FF6534"/>
+              </a:gs>
+              <a:gs pos="100000">
+                <a:schemeClr val="bg1"/>
+              </a:gs>
+            </a:gsLst>
+            <a:lin ang="10800000" scaled="0"/>
+            <a:tileRect/>
+          </a:gradFill>
+          <a:ln w="38100">
+            <a:noFill/>
+          </a:ln>
+        </p:spPr>
+        <p:style>
+          <a:lnRef idx="2">
+            <a:schemeClr val="accent1">
+              <a:shade val="15000"/>
+            </a:schemeClr>
+          </a:lnRef>
+          <a:fillRef idx="1">
+            <a:schemeClr val="accent1"/>
+          </a:fillRef>
+          <a:effectRef idx="0">
+            <a:schemeClr val="accent1"/>
+          </a:effectRef>
+          <a:fontRef idx="minor">
+            <a:schemeClr val="lt1"/>
+          </a:fontRef>
+        </p:style>
+        <p:txBody>
+          <a:bodyPr rtlCol="0" anchor="ctr"/>
+          <a:lstStyle/>
+          <a:p>
+            <a:pPr algn="ctr"/>
+            <a:r>
+              <a:rPr lang="da-DK" sz="1100" dirty="0" err="1">
+                <a:solidFill>
+                  <a:schemeClr val="tx1"/>
+                </a:solidFill>
+              </a:rPr>
+              <a:t>Temperature</a:t>
+            </a:r>
+            <a:r>
+              <a:rPr lang="da-DK" sz="1100" dirty="0">
+                <a:solidFill>
+                  <a:schemeClr val="tx1"/>
+                </a:solidFill>
+              </a:rPr>
+              <a:t> </a:t>
+            </a:r>
+            <a:r>
+              <a:rPr lang="da-DK" sz="1100" dirty="0" err="1">
+                <a:solidFill>
+                  <a:schemeClr val="tx1"/>
+                </a:solidFill>
+              </a:rPr>
+              <a:t>slope</a:t>
+            </a:r>
+            <a:r>
+              <a:rPr lang="da-DK" sz="1100" dirty="0">
+                <a:solidFill>
+                  <a:schemeClr val="tx1"/>
+                </a:solidFill>
+              </a:rPr>
+              <a:t> </a:t>
+            </a:r>
+            <a:r>
+              <a:rPr lang="da-DK" sz="1100" dirty="0" err="1">
+                <a:solidFill>
+                  <a:schemeClr val="tx1"/>
+                </a:solidFill>
+              </a:rPr>
+              <a:t>mean</a:t>
+            </a:r>
+            <a:endParaRPr lang="en-US" sz="1100" dirty="0">
+              <a:solidFill>
+                <a:schemeClr val="tx1"/>
+              </a:solidFill>
+            </a:endParaRPr>
+          </a:p>
+        </p:txBody>
+      </p:sp>
+      <p:sp>
+        <p:nvSpPr>
+          <p:cNvPr id="5" name="Rectangle 4">
+            <a:extLst>
+              <a:ext uri="{FF2B5EF4-FFF2-40B4-BE49-F238E27FC236}">
+                <a16:creationId xmlns:a16="http://schemas.microsoft.com/office/drawing/2014/main" id="{EF1A3FE6-AD81-11DC-EFA5-C8FE909972C6}"/>
+              </a:ext>
+            </a:extLst>
+          </p:cNvPr>
+          <p:cNvSpPr/>
+          <p:nvPr/>
+        </p:nvSpPr>
+        <p:spPr>
+          <a:xfrm>
+            <a:off x="2362188" y="2238339"/>
+            <a:ext cx="1692988" cy="136555"/>
+          </a:xfrm>
+          <a:prstGeom prst="rect">
+            <a:avLst/>
+          </a:prstGeom>
+          <a:gradFill flip="none" rotWithShape="0">
+            <a:gsLst>
+              <a:gs pos="14000">
+                <a:srgbClr val="FF6534"/>
+              </a:gs>
+              <a:gs pos="100000">
+                <a:schemeClr val="bg1"/>
+              </a:gs>
+            </a:gsLst>
+            <a:lin ang="10800000" scaled="0"/>
+            <a:tileRect/>
+          </a:gradFill>
+          <a:ln w="38100">
+            <a:noFill/>
+          </a:ln>
+        </p:spPr>
+        <p:style>
+          <a:lnRef idx="2">
+            <a:schemeClr val="accent1">
+              <a:shade val="15000"/>
+            </a:schemeClr>
+          </a:lnRef>
+          <a:fillRef idx="1">
+            <a:schemeClr val="accent1"/>
+          </a:fillRef>
+          <a:effectRef idx="0">
+            <a:schemeClr val="accent1"/>
+          </a:effectRef>
+          <a:fontRef idx="minor">
+            <a:schemeClr val="lt1"/>
+          </a:fontRef>
+        </p:style>
+        <p:txBody>
+          <a:bodyPr rtlCol="0" anchor="ctr"/>
+          <a:lstStyle/>
+          <a:p>
+            <a:pPr algn="ctr"/>
+            <a:r>
+              <a:rPr lang="da-DK" sz="1100" dirty="0" err="1">
+                <a:solidFill>
+                  <a:schemeClr val="tx1"/>
+                </a:solidFill>
+              </a:rPr>
+              <a:t>Temperature</a:t>
+            </a:r>
+            <a:r>
+              <a:rPr lang="da-DK" sz="1100" dirty="0">
+                <a:solidFill>
+                  <a:schemeClr val="tx1"/>
+                </a:solidFill>
+              </a:rPr>
+              <a:t> </a:t>
+            </a:r>
+            <a:r>
+              <a:rPr lang="da-DK" sz="1100" dirty="0" err="1">
+                <a:solidFill>
+                  <a:schemeClr val="tx1"/>
+                </a:solidFill>
+              </a:rPr>
+              <a:t>slope</a:t>
+            </a:r>
+            <a:endParaRPr lang="en-US" sz="1100" dirty="0">
+              <a:solidFill>
+                <a:schemeClr val="tx1"/>
+              </a:solidFill>
+            </a:endParaRPr>
+          </a:p>
+        </p:txBody>
+      </p:sp>
+      <p:sp>
+        <p:nvSpPr>
+          <p:cNvPr id="6" name="Rectangle 5">
+            <a:extLst>
+              <a:ext uri="{FF2B5EF4-FFF2-40B4-BE49-F238E27FC236}">
+                <a16:creationId xmlns:a16="http://schemas.microsoft.com/office/drawing/2014/main" id="{D5748D41-BFC5-F33F-535E-93D56F5F3CDD}"/>
+              </a:ext>
+            </a:extLst>
+          </p:cNvPr>
+          <p:cNvSpPr/>
+          <p:nvPr/>
+        </p:nvSpPr>
+        <p:spPr>
+          <a:xfrm>
+            <a:off x="2362185" y="2390737"/>
+            <a:ext cx="1692989" cy="136555"/>
+          </a:xfrm>
+          <a:prstGeom prst="rect">
+            <a:avLst/>
+          </a:prstGeom>
+          <a:gradFill flip="none" rotWithShape="0">
+            <a:gsLst>
+              <a:gs pos="14000">
+                <a:srgbClr val="FF6534"/>
+              </a:gs>
+              <a:gs pos="100000">
+                <a:schemeClr val="bg1"/>
+              </a:gs>
+            </a:gsLst>
+            <a:lin ang="10800000" scaled="0"/>
+            <a:tileRect/>
+          </a:gradFill>
+          <a:ln w="38100">
+            <a:noFill/>
+          </a:ln>
+        </p:spPr>
+        <p:style>
+          <a:lnRef idx="2">
+            <a:schemeClr val="accent1">
+              <a:shade val="15000"/>
+            </a:schemeClr>
+          </a:lnRef>
+          <a:fillRef idx="1">
+            <a:schemeClr val="accent1"/>
+          </a:fillRef>
+          <a:effectRef idx="0">
+            <a:schemeClr val="accent1"/>
+          </a:effectRef>
+          <a:fontRef idx="minor">
+            <a:schemeClr val="lt1"/>
+          </a:fontRef>
+        </p:style>
+        <p:txBody>
+          <a:bodyPr rtlCol="0" anchor="ctr"/>
+          <a:lstStyle/>
+          <a:p>
+            <a:pPr algn="ctr"/>
+            <a:r>
+              <a:rPr lang="da-DK" sz="1100" dirty="0">
+                <a:solidFill>
+                  <a:schemeClr val="tx1"/>
+                </a:solidFill>
+              </a:rPr>
+              <a:t>EDA </a:t>
+            </a:r>
+            <a:r>
+              <a:rPr lang="da-DK" sz="1100" dirty="0" err="1">
+                <a:solidFill>
+                  <a:schemeClr val="tx1"/>
+                </a:solidFill>
+              </a:rPr>
+              <a:t>slope</a:t>
+            </a:r>
+            <a:r>
+              <a:rPr lang="da-DK" sz="1100" dirty="0">
+                <a:solidFill>
+                  <a:schemeClr val="tx1"/>
+                </a:solidFill>
+              </a:rPr>
+              <a:t> </a:t>
+            </a:r>
+            <a:r>
+              <a:rPr lang="da-DK" sz="1100" dirty="0" err="1">
+                <a:solidFill>
+                  <a:schemeClr val="tx1"/>
+                </a:solidFill>
+              </a:rPr>
+              <a:t>mean</a:t>
+            </a:r>
+            <a:endParaRPr lang="en-US" sz="1100" dirty="0">
+              <a:solidFill>
+                <a:schemeClr val="tx1"/>
+              </a:solidFill>
+            </a:endParaRPr>
+          </a:p>
+        </p:txBody>
+      </p:sp>
+      <p:sp>
+        <p:nvSpPr>
+          <p:cNvPr id="7" name="Rectangle 6">
+            <a:extLst>
+              <a:ext uri="{FF2B5EF4-FFF2-40B4-BE49-F238E27FC236}">
+                <a16:creationId xmlns:a16="http://schemas.microsoft.com/office/drawing/2014/main" id="{ACF380B0-638D-7E41-5219-1BFB52F8D0B5}"/>
+              </a:ext>
+            </a:extLst>
+          </p:cNvPr>
+          <p:cNvSpPr/>
+          <p:nvPr/>
+        </p:nvSpPr>
+        <p:spPr>
+          <a:xfrm>
+            <a:off x="6697080" y="2199002"/>
+            <a:ext cx="1692989" cy="238588"/>
+          </a:xfrm>
+          <a:prstGeom prst="rect">
+            <a:avLst/>
+          </a:prstGeom>
+          <a:gradFill flip="none" rotWithShape="0">
+            <a:gsLst>
+              <a:gs pos="14000">
+                <a:srgbClr val="FF5722"/>
+              </a:gs>
+              <a:gs pos="100000">
+                <a:schemeClr val="bg1"/>
+              </a:gs>
+            </a:gsLst>
+            <a:lin ang="0" scaled="0"/>
+            <a:tileRect/>
+          </a:gradFill>
+          <a:ln w="38100">
+            <a:noFill/>
+          </a:ln>
+        </p:spPr>
+        <p:style>
+          <a:lnRef idx="2">
+            <a:schemeClr val="accent1">
+              <a:shade val="15000"/>
+            </a:schemeClr>
+          </a:lnRef>
+          <a:fillRef idx="1">
+            <a:schemeClr val="accent1"/>
+          </a:fillRef>
+          <a:effectRef idx="0">
+            <a:schemeClr val="accent1"/>
+          </a:effectRef>
+          <a:fontRef idx="minor">
+            <a:schemeClr val="lt1"/>
+          </a:fontRef>
+        </p:style>
+        <p:txBody>
+          <a:bodyPr rtlCol="0" anchor="ctr"/>
+          <a:lstStyle/>
+          <a:p>
+            <a:pPr algn="ctr"/>
+            <a:r>
+              <a:rPr lang="da-DK" sz="1100" dirty="0" err="1">
+                <a:solidFill>
+                  <a:schemeClr val="tx1"/>
+                </a:solidFill>
+              </a:rPr>
+              <a:t>Nervous</a:t>
+            </a:r>
+            <a:endParaRPr lang="en-US" sz="1100" dirty="0">
+              <a:solidFill>
+                <a:schemeClr val="tx1"/>
+              </a:solidFill>
+            </a:endParaRPr>
+          </a:p>
+        </p:txBody>
+      </p:sp>
+      <p:sp>
+        <p:nvSpPr>
+          <p:cNvPr id="8" name="Rectangle 7">
+            <a:extLst>
+              <a:ext uri="{FF2B5EF4-FFF2-40B4-BE49-F238E27FC236}">
+                <a16:creationId xmlns:a16="http://schemas.microsoft.com/office/drawing/2014/main" id="{664B1789-792F-F652-9FAB-D19DED7B3729}"/>
+              </a:ext>
+            </a:extLst>
+          </p:cNvPr>
+          <p:cNvSpPr/>
+          <p:nvPr/>
+        </p:nvSpPr>
+        <p:spPr>
+          <a:xfrm>
+            <a:off x="6697082" y="2473692"/>
+            <a:ext cx="1692987" cy="238588"/>
+          </a:xfrm>
+          <a:prstGeom prst="rect">
+            <a:avLst/>
+          </a:prstGeom>
+          <a:gradFill flip="none" rotWithShape="0">
+            <a:gsLst>
+              <a:gs pos="14000">
+                <a:srgbClr val="FF6534"/>
+              </a:gs>
+              <a:gs pos="100000">
+                <a:schemeClr val="bg1"/>
+              </a:gs>
+            </a:gsLst>
+            <a:lin ang="0" scaled="0"/>
+            <a:tileRect/>
+          </a:gradFill>
+          <a:ln w="38100">
+            <a:noFill/>
+          </a:ln>
+        </p:spPr>
+        <p:style>
+          <a:lnRef idx="2">
+            <a:schemeClr val="accent1">
+              <a:shade val="15000"/>
+            </a:schemeClr>
+          </a:lnRef>
+          <a:fillRef idx="1">
+            <a:schemeClr val="accent1"/>
+          </a:fillRef>
+          <a:effectRef idx="0">
+            <a:schemeClr val="accent1"/>
+          </a:effectRef>
+          <a:fontRef idx="minor">
+            <a:schemeClr val="lt1"/>
+          </a:fontRef>
+        </p:style>
+        <p:txBody>
+          <a:bodyPr rtlCol="0" anchor="ctr"/>
+          <a:lstStyle/>
+          <a:p>
+            <a:pPr algn="ctr"/>
+            <a:r>
+              <a:rPr lang="da-DK" sz="1100" dirty="0" err="1">
+                <a:solidFill>
+                  <a:schemeClr val="tx1"/>
+                </a:solidFill>
+              </a:rPr>
+              <a:t>Afraid</a:t>
+            </a:r>
+            <a:endParaRPr lang="en-US" sz="1100" dirty="0">
+              <a:solidFill>
+                <a:schemeClr val="tx1"/>
+              </a:solidFill>
+            </a:endParaRPr>
+          </a:p>
+        </p:txBody>
+      </p:sp>
+      <p:sp>
+        <p:nvSpPr>
+          <p:cNvPr id="9" name="Rectangle 8">
+            <a:extLst>
+              <a:ext uri="{FF2B5EF4-FFF2-40B4-BE49-F238E27FC236}">
+                <a16:creationId xmlns:a16="http://schemas.microsoft.com/office/drawing/2014/main" id="{735428D7-5D87-FB78-4996-25A05A837B18}"/>
+              </a:ext>
+            </a:extLst>
+          </p:cNvPr>
+          <p:cNvSpPr/>
+          <p:nvPr/>
+        </p:nvSpPr>
+        <p:spPr>
+          <a:xfrm>
+            <a:off x="6697081" y="1924312"/>
+            <a:ext cx="1692988" cy="238588"/>
+          </a:xfrm>
+          <a:prstGeom prst="rect">
+            <a:avLst/>
+          </a:prstGeom>
+          <a:gradFill flip="none" rotWithShape="0">
+            <a:gsLst>
+              <a:gs pos="14000">
+                <a:srgbClr val="FF6534"/>
+              </a:gs>
+              <a:gs pos="100000">
+                <a:schemeClr val="bg1"/>
+              </a:gs>
+            </a:gsLst>
+            <a:lin ang="0" scaled="0"/>
+            <a:tileRect/>
+          </a:gradFill>
+          <a:ln w="38100">
+            <a:noFill/>
+          </a:ln>
+        </p:spPr>
+        <p:style>
+          <a:lnRef idx="2">
+            <a:schemeClr val="accent1">
+              <a:shade val="15000"/>
+            </a:schemeClr>
+          </a:lnRef>
+          <a:fillRef idx="1">
+            <a:schemeClr val="accent1"/>
+          </a:fillRef>
+          <a:effectRef idx="0">
+            <a:schemeClr val="accent1"/>
+          </a:effectRef>
+          <a:fontRef idx="minor">
+            <a:schemeClr val="lt1"/>
+          </a:fontRef>
+        </p:style>
+        <p:txBody>
+          <a:bodyPr rtlCol="0" anchor="ctr"/>
+          <a:lstStyle/>
+          <a:p>
+            <a:pPr algn="ctr"/>
+            <a:r>
+              <a:rPr lang="da-DK" sz="1100" dirty="0">
+                <a:solidFill>
+                  <a:schemeClr val="tx1"/>
+                </a:solidFill>
+              </a:rPr>
+              <a:t>Active</a:t>
+            </a:r>
+            <a:endParaRPr lang="en-US" sz="1100" dirty="0">
+              <a:solidFill>
+                <a:schemeClr val="tx1"/>
+              </a:solidFill>
+            </a:endParaRPr>
+          </a:p>
+        </p:txBody>
+      </p:sp>
+      <p:sp>
+        <p:nvSpPr>
+          <p:cNvPr id="11" name="Rectangle 10">
+            <a:extLst>
+              <a:ext uri="{FF2B5EF4-FFF2-40B4-BE49-F238E27FC236}">
+                <a16:creationId xmlns:a16="http://schemas.microsoft.com/office/drawing/2014/main" id="{42FB20AB-4AF0-0BB0-83AC-8A1EDB7FA4EC}"/>
+              </a:ext>
+            </a:extLst>
+          </p:cNvPr>
+          <p:cNvSpPr/>
+          <p:nvPr/>
+        </p:nvSpPr>
+        <p:spPr>
+          <a:xfrm>
+            <a:off x="2362184" y="2549273"/>
+            <a:ext cx="1692989" cy="136555"/>
+          </a:xfrm>
+          <a:prstGeom prst="rect">
+            <a:avLst/>
+          </a:prstGeom>
+          <a:gradFill flip="none" rotWithShape="0">
+            <a:gsLst>
+              <a:gs pos="14000">
+                <a:srgbClr val="FF6534"/>
+              </a:gs>
+              <a:gs pos="100000">
+                <a:schemeClr val="bg1"/>
+              </a:gs>
+            </a:gsLst>
+            <a:lin ang="10800000" scaled="0"/>
+            <a:tileRect/>
+          </a:gradFill>
+          <a:ln w="38100">
+            <a:noFill/>
+          </a:ln>
+        </p:spPr>
+        <p:style>
+          <a:lnRef idx="2">
+            <a:schemeClr val="accent1">
+              <a:shade val="15000"/>
+            </a:schemeClr>
+          </a:lnRef>
+          <a:fillRef idx="1">
+            <a:schemeClr val="accent1"/>
+          </a:fillRef>
+          <a:effectRef idx="0">
+            <a:schemeClr val="accent1"/>
+          </a:effectRef>
+          <a:fontRef idx="minor">
+            <a:schemeClr val="lt1"/>
+          </a:fontRef>
+        </p:style>
+        <p:txBody>
+          <a:bodyPr rtlCol="0" anchor="ctr"/>
+          <a:lstStyle/>
+          <a:p>
+            <a:pPr algn="ctr"/>
+            <a:r>
+              <a:rPr lang="da-DK" sz="1100" dirty="0">
+                <a:solidFill>
+                  <a:schemeClr val="tx1"/>
+                </a:solidFill>
+              </a:rPr>
+              <a:t>EDA </a:t>
+            </a:r>
+            <a:r>
+              <a:rPr lang="da-DK" sz="1100" dirty="0" err="1">
+                <a:solidFill>
+                  <a:schemeClr val="tx1"/>
+                </a:solidFill>
+              </a:rPr>
+              <a:t>slope</a:t>
+            </a:r>
+            <a:endParaRPr lang="en-US" sz="1100" dirty="0">
+              <a:solidFill>
+                <a:schemeClr val="tx1"/>
+              </a:solidFill>
+            </a:endParaRPr>
+          </a:p>
+        </p:txBody>
+      </p:sp>
+      <p:grpSp>
+        <p:nvGrpSpPr>
+          <p:cNvPr id="27" name="Group 26">
+            <a:extLst>
+              <a:ext uri="{FF2B5EF4-FFF2-40B4-BE49-F238E27FC236}">
+                <a16:creationId xmlns:a16="http://schemas.microsoft.com/office/drawing/2014/main" id="{C3AAB70A-E6E3-6087-CDAF-5181FE646011}"/>
+              </a:ext>
+            </a:extLst>
+          </p:cNvPr>
+          <p:cNvGrpSpPr/>
+          <p:nvPr/>
+        </p:nvGrpSpPr>
+        <p:grpSpPr>
+          <a:xfrm>
+            <a:off x="4260850" y="2094608"/>
+            <a:ext cx="2239189" cy="387927"/>
+            <a:chOff x="4260850" y="2094608"/>
+            <a:chExt cx="2239189" cy="387927"/>
+          </a:xfrm>
+        </p:grpSpPr>
+        <p:sp>
+          <p:nvSpPr>
+            <p:cNvPr id="4" name="Rectangle 3">
+              <a:extLst>
+                <a:ext uri="{FF2B5EF4-FFF2-40B4-BE49-F238E27FC236}">
+                  <a16:creationId xmlns:a16="http://schemas.microsoft.com/office/drawing/2014/main" id="{6FBFBDF9-58CF-F8F5-4352-F8F8ADF564E2}"/>
+                </a:ext>
+              </a:extLst>
+            </p:cNvPr>
+            <p:cNvSpPr/>
+            <p:nvPr/>
+          </p:nvSpPr>
+          <p:spPr>
+            <a:xfrm>
+              <a:off x="5041008" y="2094608"/>
+              <a:ext cx="678873" cy="387927"/>
+            </a:xfrm>
+            <a:prstGeom prst="rect">
+              <a:avLst/>
+            </a:prstGeom>
+            <a:solidFill>
+              <a:srgbClr val="FF5722"/>
+            </a:solidFill>
+            <a:ln w="38100">
+              <a:noFill/>
+            </a:ln>
+          </p:spPr>
+          <p:style>
+            <a:lnRef idx="2">
+              <a:schemeClr val="accent1">
+                <a:shade val="15000"/>
+              </a:schemeClr>
+            </a:lnRef>
+            <a:fillRef idx="1">
+              <a:schemeClr val="accent1"/>
+            </a:fillRef>
+            <a:effectRef idx="0">
+              <a:schemeClr val="accent1"/>
+            </a:effectRef>
+            <a:fontRef idx="minor">
+              <a:schemeClr val="lt1"/>
+            </a:fontRef>
+          </p:style>
+          <p:txBody>
+            <a:bodyPr rtlCol="0" anchor="ctr"/>
+            <a:lstStyle/>
+            <a:p>
+              <a:pPr algn="ctr"/>
+              <a:r>
+                <a:rPr lang="da-DK" dirty="0">
+                  <a:solidFill>
+                    <a:schemeClr val="tx1"/>
+                  </a:solidFill>
+                </a:rPr>
+                <a:t>0.61</a:t>
+              </a:r>
+              <a:endParaRPr lang="en-US" dirty="0">
+                <a:solidFill>
+                  <a:schemeClr val="tx1"/>
+                </a:solidFill>
+              </a:endParaRPr>
+            </a:p>
+          </p:txBody>
+        </p:sp>
+        <p:sp>
+          <p:nvSpPr>
+            <p:cNvPr id="16" name="Arrow: Right 15">
+              <a:extLst>
+                <a:ext uri="{FF2B5EF4-FFF2-40B4-BE49-F238E27FC236}">
+                  <a16:creationId xmlns:a16="http://schemas.microsoft.com/office/drawing/2014/main" id="{74A83CD0-C0B4-EB04-3C3F-617D5930FB52}"/>
+                </a:ext>
+              </a:extLst>
+            </p:cNvPr>
+            <p:cNvSpPr/>
+            <p:nvPr/>
+          </p:nvSpPr>
+          <p:spPr>
+            <a:xfrm>
+              <a:off x="4260850" y="2128448"/>
+              <a:ext cx="574481" cy="296917"/>
+            </a:xfrm>
+            <a:prstGeom prst="rightArrow">
+              <a:avLst/>
+            </a:prstGeom>
+            <a:solidFill>
+              <a:srgbClr val="FF5722"/>
+            </a:solidFill>
+            <a:ln>
+              <a:solidFill>
+                <a:srgbClr val="FF5722"/>
+              </a:solidFill>
+            </a:ln>
+          </p:spPr>
+          <p:style>
+            <a:lnRef idx="2">
+              <a:schemeClr val="accent1">
+                <a:shade val="15000"/>
+              </a:schemeClr>
+            </a:lnRef>
+            <a:fillRef idx="1">
+              <a:schemeClr val="accent1"/>
+            </a:fillRef>
+            <a:effectRef idx="0">
+              <a:schemeClr val="accent1"/>
+            </a:effectRef>
+            <a:fontRef idx="minor">
+              <a:schemeClr val="lt1"/>
+            </a:fontRef>
+          </p:style>
+          <p:txBody>
+            <a:bodyPr rtlCol="0" anchor="ctr"/>
+            <a:lstStyle/>
+            <a:p>
+              <a:pPr algn="ctr"/>
+              <a:endParaRPr lang="en-US" dirty="0">
+                <a:solidFill>
+                  <a:schemeClr val="tx1"/>
+                </a:solidFill>
+              </a:endParaRPr>
+            </a:p>
+          </p:txBody>
+        </p:sp>
+        <p:grpSp>
+          <p:nvGrpSpPr>
+            <p:cNvPr id="25" name="Group 24">
+              <a:extLst>
+                <a:ext uri="{FF2B5EF4-FFF2-40B4-BE49-F238E27FC236}">
+                  <a16:creationId xmlns:a16="http://schemas.microsoft.com/office/drawing/2014/main" id="{90D6EB14-B726-0BDC-DA12-9C5E544F105F}"/>
+                </a:ext>
+              </a:extLst>
+            </p:cNvPr>
+            <p:cNvGrpSpPr/>
+            <p:nvPr/>
+          </p:nvGrpSpPr>
+          <p:grpSpPr>
+            <a:xfrm>
+              <a:off x="5921240" y="2124064"/>
+              <a:ext cx="578799" cy="323165"/>
+              <a:chOff x="4470218" y="3022267"/>
+              <a:chExt cx="578799" cy="323165"/>
+            </a:xfrm>
+          </p:grpSpPr>
+          <p:sp>
+            <p:nvSpPr>
+              <p:cNvPr id="21" name="Arrow: Right 20">
+                <a:extLst>
+                  <a:ext uri="{FF2B5EF4-FFF2-40B4-BE49-F238E27FC236}">
+                    <a16:creationId xmlns:a16="http://schemas.microsoft.com/office/drawing/2014/main" id="{012E282C-F117-CCD6-CE81-FC23C91719DB}"/>
+                  </a:ext>
+                </a:extLst>
+              </p:cNvPr>
+              <p:cNvSpPr/>
+              <p:nvPr/>
+            </p:nvSpPr>
+            <p:spPr>
+              <a:xfrm rot="10800000">
+                <a:off x="4470218" y="3025147"/>
+                <a:ext cx="574481" cy="296917"/>
+              </a:xfrm>
+              <a:prstGeom prst="rightArrow">
+                <a:avLst/>
+              </a:prstGeom>
+              <a:solidFill>
+                <a:srgbClr val="FF5722"/>
+              </a:solidFill>
+              <a:ln>
+                <a:solidFill>
+                  <a:srgbClr val="FF5722"/>
+                </a:solidFill>
+              </a:ln>
+            </p:spPr>
+            <p:style>
+              <a:lnRef idx="2">
+                <a:schemeClr val="accent1">
+                  <a:shade val="15000"/>
+                </a:schemeClr>
+              </a:lnRef>
+              <a:fillRef idx="1">
+                <a:schemeClr val="accent1"/>
+              </a:fillRef>
+              <a:effectRef idx="0">
+                <a:schemeClr val="accent1"/>
+              </a:effectRef>
+              <a:fontRef idx="minor">
+                <a:schemeClr val="lt1"/>
+              </a:fontRef>
+            </p:style>
+            <p:txBody>
+              <a:bodyPr rtlCol="0" anchor="ctr"/>
+              <a:lstStyle/>
+              <a:p>
+                <a:pPr algn="ctr"/>
+                <a:endParaRPr lang="en-US" dirty="0">
+                  <a:solidFill>
+                    <a:schemeClr val="tx1"/>
+                  </a:solidFill>
+                </a:endParaRPr>
+              </a:p>
+            </p:txBody>
+          </p:sp>
+          <p:sp>
+            <p:nvSpPr>
+              <p:cNvPr id="23" name="TextBox 22">
+                <a:extLst>
+                  <a:ext uri="{FF2B5EF4-FFF2-40B4-BE49-F238E27FC236}">
+                    <a16:creationId xmlns:a16="http://schemas.microsoft.com/office/drawing/2014/main" id="{387E8C34-305D-348C-E7A7-D350A1061E57}"/>
+                  </a:ext>
+                </a:extLst>
+              </p:cNvPr>
+              <p:cNvSpPr txBox="1"/>
+              <p:nvPr/>
+            </p:nvSpPr>
+            <p:spPr>
+              <a:xfrm>
+                <a:off x="4610148" y="3022267"/>
+                <a:ext cx="438869" cy="323165"/>
+              </a:xfrm>
+              <a:prstGeom prst="rect">
+                <a:avLst/>
+              </a:prstGeom>
+              <a:noFill/>
+            </p:spPr>
+            <p:txBody>
+              <a:bodyPr wrap="square" rtlCol="0">
+                <a:spAutoFit/>
+              </a:bodyPr>
+              <a:lstStyle/>
+              <a:p>
+                <a:r>
+                  <a:rPr lang="da-DK" sz="1500" dirty="0"/>
+                  <a:t>U2</a:t>
+                </a:r>
+                <a:endParaRPr lang="en-US" sz="1500" dirty="0"/>
+              </a:p>
+            </p:txBody>
+          </p:sp>
+        </p:grpSp>
+      </p:grpSp>
+      <p:sp>
+        <p:nvSpPr>
+          <p:cNvPr id="26" name="TextBox 25">
+            <a:extLst>
+              <a:ext uri="{FF2B5EF4-FFF2-40B4-BE49-F238E27FC236}">
+                <a16:creationId xmlns:a16="http://schemas.microsoft.com/office/drawing/2014/main" id="{EB2C7BA8-AE61-247C-2D9D-94A95D1DAB2A}"/>
+              </a:ext>
+            </a:extLst>
+          </p:cNvPr>
+          <p:cNvSpPr txBox="1"/>
+          <p:nvPr/>
+        </p:nvSpPr>
+        <p:spPr>
+          <a:xfrm>
+            <a:off x="4328655" y="2118690"/>
+            <a:ext cx="438869" cy="323165"/>
+          </a:xfrm>
+          <a:prstGeom prst="rect">
+            <a:avLst/>
+          </a:prstGeom>
+          <a:noFill/>
+        </p:spPr>
+        <p:txBody>
+          <a:bodyPr wrap="square" rtlCol="0">
+            <a:spAutoFit/>
+          </a:bodyPr>
+          <a:lstStyle/>
+          <a:p>
+            <a:r>
+              <a:rPr lang="da-DK" sz="1500" dirty="0"/>
+              <a:t>V2</a:t>
+            </a:r>
+            <a:endParaRPr lang="en-US" sz="1500" dirty="0"/>
+          </a:p>
+        </p:txBody>
+      </p:sp>
+      <p:cxnSp>
+        <p:nvCxnSpPr>
+          <p:cNvPr id="32" name="Straight Connector 31">
+            <a:extLst>
+              <a:ext uri="{FF2B5EF4-FFF2-40B4-BE49-F238E27FC236}">
+                <a16:creationId xmlns:a16="http://schemas.microsoft.com/office/drawing/2014/main" id="{C20865D6-F847-0894-5341-829C0F0BC7B8}"/>
+              </a:ext>
+            </a:extLst>
+          </p:cNvPr>
+          <p:cNvCxnSpPr>
+            <a:stCxn id="24" idx="3"/>
+            <a:endCxn id="16" idx="1"/>
+          </p:cNvCxnSpPr>
+          <p:nvPr/>
+        </p:nvCxnSpPr>
+        <p:spPr>
+          <a:xfrm>
+            <a:off x="4055178" y="1998824"/>
+            <a:ext cx="205672" cy="278083"/>
+          </a:xfrm>
+          <a:prstGeom prst="line">
+            <a:avLst/>
+          </a:prstGeom>
+          <a:ln>
+            <a:solidFill>
+              <a:srgbClr val="FF6534"/>
+            </a:solidFill>
+          </a:ln>
+        </p:spPr>
+        <p:style>
+          <a:lnRef idx="2">
+            <a:schemeClr val="accent1"/>
+          </a:lnRef>
+          <a:fillRef idx="0">
+            <a:schemeClr val="accent1"/>
+          </a:fillRef>
+          <a:effectRef idx="1">
+            <a:schemeClr val="accent1"/>
+          </a:effectRef>
+          <a:fontRef idx="minor">
+            <a:schemeClr val="tx1"/>
+          </a:fontRef>
+        </p:style>
+      </p:cxnSp>
+      <p:cxnSp>
+        <p:nvCxnSpPr>
+          <p:cNvPr id="33" name="Straight Connector 32">
+            <a:extLst>
+              <a:ext uri="{FF2B5EF4-FFF2-40B4-BE49-F238E27FC236}">
+                <a16:creationId xmlns:a16="http://schemas.microsoft.com/office/drawing/2014/main" id="{462DB483-F677-1537-A02C-88305D1A7916}"/>
+              </a:ext>
+            </a:extLst>
+          </p:cNvPr>
+          <p:cNvCxnSpPr>
+            <a:cxnSpLocks/>
+            <a:stCxn id="2" idx="3"/>
+            <a:endCxn id="16" idx="1"/>
+          </p:cNvCxnSpPr>
+          <p:nvPr/>
+        </p:nvCxnSpPr>
+        <p:spPr>
+          <a:xfrm>
+            <a:off x="4055176" y="2151222"/>
+            <a:ext cx="205674" cy="125685"/>
+          </a:xfrm>
+          <a:prstGeom prst="line">
+            <a:avLst/>
+          </a:prstGeom>
+          <a:ln>
+            <a:solidFill>
+              <a:srgbClr val="FF6534"/>
+            </a:solidFill>
+          </a:ln>
+        </p:spPr>
+        <p:style>
+          <a:lnRef idx="2">
+            <a:schemeClr val="accent1"/>
+          </a:lnRef>
+          <a:fillRef idx="0">
+            <a:schemeClr val="accent1"/>
+          </a:fillRef>
+          <a:effectRef idx="1">
+            <a:schemeClr val="accent1"/>
+          </a:effectRef>
+          <a:fontRef idx="minor">
+            <a:schemeClr val="tx1"/>
+          </a:fontRef>
+        </p:style>
+      </p:cxnSp>
+      <p:cxnSp>
+        <p:nvCxnSpPr>
+          <p:cNvPr id="37" name="Straight Connector 36">
+            <a:extLst>
+              <a:ext uri="{FF2B5EF4-FFF2-40B4-BE49-F238E27FC236}">
+                <a16:creationId xmlns:a16="http://schemas.microsoft.com/office/drawing/2014/main" id="{D1C66E14-2D16-E1BC-BBE9-CE9B418A2E8D}"/>
+              </a:ext>
+            </a:extLst>
+          </p:cNvPr>
+          <p:cNvCxnSpPr>
+            <a:cxnSpLocks/>
+            <a:stCxn id="5" idx="3"/>
+            <a:endCxn id="16" idx="1"/>
+          </p:cNvCxnSpPr>
+          <p:nvPr/>
+        </p:nvCxnSpPr>
+        <p:spPr>
+          <a:xfrm flipV="1">
+            <a:off x="4055176" y="2276907"/>
+            <a:ext cx="205674" cy="29710"/>
+          </a:xfrm>
+          <a:prstGeom prst="line">
+            <a:avLst/>
+          </a:prstGeom>
+          <a:ln>
+            <a:solidFill>
+              <a:srgbClr val="FF6534"/>
+            </a:solidFill>
+          </a:ln>
+        </p:spPr>
+        <p:style>
+          <a:lnRef idx="2">
+            <a:schemeClr val="accent1"/>
+          </a:lnRef>
+          <a:fillRef idx="0">
+            <a:schemeClr val="accent1"/>
+          </a:fillRef>
+          <a:effectRef idx="1">
+            <a:schemeClr val="accent1"/>
+          </a:effectRef>
+          <a:fontRef idx="minor">
+            <a:schemeClr val="tx1"/>
+          </a:fontRef>
+        </p:style>
+      </p:cxnSp>
+      <p:cxnSp>
+        <p:nvCxnSpPr>
+          <p:cNvPr id="40" name="Straight Connector 39">
+            <a:extLst>
+              <a:ext uri="{FF2B5EF4-FFF2-40B4-BE49-F238E27FC236}">
+                <a16:creationId xmlns:a16="http://schemas.microsoft.com/office/drawing/2014/main" id="{0285A80B-58E0-6E53-DDC3-A77436A50D08}"/>
+              </a:ext>
+            </a:extLst>
+          </p:cNvPr>
+          <p:cNvCxnSpPr>
+            <a:cxnSpLocks/>
+            <a:stCxn id="6" idx="3"/>
+            <a:endCxn id="16" idx="1"/>
+          </p:cNvCxnSpPr>
+          <p:nvPr/>
+        </p:nvCxnSpPr>
+        <p:spPr>
+          <a:xfrm flipV="1">
+            <a:off x="4055174" y="2276907"/>
+            <a:ext cx="205676" cy="182108"/>
+          </a:xfrm>
+          <a:prstGeom prst="line">
+            <a:avLst/>
+          </a:prstGeom>
+          <a:ln>
+            <a:solidFill>
+              <a:srgbClr val="FF6534"/>
+            </a:solidFill>
+          </a:ln>
+        </p:spPr>
+        <p:style>
+          <a:lnRef idx="2">
+            <a:schemeClr val="accent1"/>
+          </a:lnRef>
+          <a:fillRef idx="0">
+            <a:schemeClr val="accent1"/>
+          </a:fillRef>
+          <a:effectRef idx="1">
+            <a:schemeClr val="accent1"/>
+          </a:effectRef>
+          <a:fontRef idx="minor">
+            <a:schemeClr val="tx1"/>
+          </a:fontRef>
+        </p:style>
+      </p:cxnSp>
+      <p:cxnSp>
+        <p:nvCxnSpPr>
+          <p:cNvPr id="43" name="Straight Connector 42">
+            <a:extLst>
+              <a:ext uri="{FF2B5EF4-FFF2-40B4-BE49-F238E27FC236}">
+                <a16:creationId xmlns:a16="http://schemas.microsoft.com/office/drawing/2014/main" id="{F23C114F-8CBC-7C94-0ED2-7F616335BFDE}"/>
+              </a:ext>
+            </a:extLst>
+          </p:cNvPr>
+          <p:cNvCxnSpPr>
+            <a:cxnSpLocks/>
+            <a:stCxn id="11" idx="3"/>
+            <a:endCxn id="16" idx="1"/>
+          </p:cNvCxnSpPr>
+          <p:nvPr/>
+        </p:nvCxnSpPr>
+        <p:spPr>
+          <a:xfrm flipV="1">
+            <a:off x="4055173" y="2276907"/>
+            <a:ext cx="205677" cy="340644"/>
+          </a:xfrm>
+          <a:prstGeom prst="line">
+            <a:avLst/>
+          </a:prstGeom>
+          <a:ln>
+            <a:solidFill>
+              <a:srgbClr val="FF6534"/>
+            </a:solidFill>
+          </a:ln>
+        </p:spPr>
+        <p:style>
+          <a:lnRef idx="2">
+            <a:schemeClr val="accent1"/>
+          </a:lnRef>
+          <a:fillRef idx="0">
+            <a:schemeClr val="accent1"/>
+          </a:fillRef>
+          <a:effectRef idx="1">
+            <a:schemeClr val="accent1"/>
+          </a:effectRef>
+          <a:fontRef idx="minor">
+            <a:schemeClr val="tx1"/>
+          </a:fontRef>
+        </p:style>
+      </p:cxnSp>
+      <p:cxnSp>
+        <p:nvCxnSpPr>
+          <p:cNvPr id="47" name="Straight Connector 46">
+            <a:extLst>
+              <a:ext uri="{FF2B5EF4-FFF2-40B4-BE49-F238E27FC236}">
+                <a16:creationId xmlns:a16="http://schemas.microsoft.com/office/drawing/2014/main" id="{A6CFF81C-ABAD-88A9-267D-00037B4649FE}"/>
+              </a:ext>
+            </a:extLst>
+          </p:cNvPr>
+          <p:cNvCxnSpPr>
+            <a:cxnSpLocks/>
+            <a:stCxn id="9" idx="1"/>
+            <a:endCxn id="21" idx="1"/>
+          </p:cNvCxnSpPr>
+          <p:nvPr/>
+        </p:nvCxnSpPr>
+        <p:spPr>
+          <a:xfrm flipH="1">
+            <a:off x="6495721" y="2043606"/>
+            <a:ext cx="201360" cy="231796"/>
+          </a:xfrm>
+          <a:prstGeom prst="line">
+            <a:avLst/>
+          </a:prstGeom>
+          <a:ln>
+            <a:solidFill>
+              <a:srgbClr val="FF6534"/>
+            </a:solidFill>
+          </a:ln>
+        </p:spPr>
+        <p:style>
+          <a:lnRef idx="2">
+            <a:schemeClr val="accent1"/>
+          </a:lnRef>
+          <a:fillRef idx="0">
+            <a:schemeClr val="accent1"/>
+          </a:fillRef>
+          <a:effectRef idx="1">
+            <a:schemeClr val="accent1"/>
+          </a:effectRef>
+          <a:fontRef idx="minor">
+            <a:schemeClr val="tx1"/>
+          </a:fontRef>
+        </p:style>
+      </p:cxnSp>
+    </p:spTree>
+    <p:extLst>
+      <p:ext uri="{BB962C8B-B14F-4D97-AF65-F5344CB8AC3E}">
+        <p14:creationId xmlns:p14="http://schemas.microsoft.com/office/powerpoint/2010/main" val="1557501939"/>
+      </p:ext>
+    </p:extLst>
+  </p:cSld>
+  <p:clrMapOvr>
+    <a:masterClrMapping/>
+  </p:clrMapOvr>
+</p:sld>
+</file>
+
+<file path=ppt/slides/slide3.xml><?xml version="1.0" encoding="utf-8"?>
+<p:sld xmlns:a="http://schemas.openxmlformats.org/drawingml/2006/main" xmlns:r="http://schemas.openxmlformats.org/officeDocument/2006/relationships" xmlns:p="http://schemas.openxmlformats.org/presentationml/2006/main">
+  <p:cSld>
+    <p:spTree>
+      <p:nvGrpSpPr>
+        <p:cNvPr id="1" name=""/>
+        <p:cNvGrpSpPr/>
+        <p:nvPr/>
+      </p:nvGrpSpPr>
+      <p:grpSpPr>
+        <a:xfrm>
+          <a:off x="0" y="0"/>
+          <a:ext cx="0" cy="0"/>
+          <a:chOff x="0" y="0"/>
+          <a:chExt cx="0" cy="0"/>
+        </a:xfrm>
+      </p:grpSpPr>
+      <p:sp>
+        <p:nvSpPr>
+          <p:cNvPr id="8" name="Rectangle 7">
+            <a:extLst>
+              <a:ext uri="{FF2B5EF4-FFF2-40B4-BE49-F238E27FC236}">
+                <a16:creationId xmlns:a16="http://schemas.microsoft.com/office/drawing/2014/main" id="{664B1789-792F-F652-9FAB-D19DED7B3729}"/>
+              </a:ext>
+            </a:extLst>
+          </p:cNvPr>
+          <p:cNvSpPr/>
+          <p:nvPr/>
+        </p:nvSpPr>
+        <p:spPr>
+          <a:xfrm>
+            <a:off x="6705713" y="2166581"/>
+            <a:ext cx="1692987" cy="238588"/>
+          </a:xfrm>
+          <a:prstGeom prst="rect">
+            <a:avLst/>
+          </a:prstGeom>
+          <a:gradFill flip="none" rotWithShape="0">
+            <a:gsLst>
+              <a:gs pos="14000">
+                <a:srgbClr val="FF6534"/>
+              </a:gs>
+              <a:gs pos="100000">
+                <a:schemeClr val="bg1"/>
+              </a:gs>
+            </a:gsLst>
+            <a:lin ang="0" scaled="0"/>
+            <a:tileRect/>
+          </a:gradFill>
+          <a:ln w="38100">
+            <a:noFill/>
+          </a:ln>
+        </p:spPr>
+        <p:style>
+          <a:lnRef idx="2">
+            <a:schemeClr val="accent1">
+              <a:shade val="15000"/>
+            </a:schemeClr>
+          </a:lnRef>
+          <a:fillRef idx="1">
+            <a:schemeClr val="accent1"/>
+          </a:fillRef>
+          <a:effectRef idx="0">
+            <a:schemeClr val="accent1"/>
+          </a:effectRef>
+          <a:fontRef idx="minor">
+            <a:schemeClr val="lt1"/>
+          </a:fontRef>
+        </p:style>
+        <p:txBody>
+          <a:bodyPr rtlCol="0" anchor="ctr"/>
+          <a:lstStyle/>
+          <a:p>
+            <a:pPr algn="ctr"/>
+            <a:r>
+              <a:rPr lang="da-DK" sz="1100" dirty="0" err="1">
+                <a:solidFill>
+                  <a:schemeClr val="tx1"/>
+                </a:solidFill>
+              </a:rPr>
+              <a:t>Attentive</a:t>
+            </a:r>
+            <a:endParaRPr lang="en-US" sz="1100" dirty="0">
+              <a:solidFill>
+                <a:schemeClr val="tx1"/>
+              </a:solidFill>
+            </a:endParaRPr>
+          </a:p>
+        </p:txBody>
+      </p:sp>
+      <p:sp>
+        <p:nvSpPr>
+          <p:cNvPr id="9" name="Rectangle 8">
+            <a:extLst>
+              <a:ext uri="{FF2B5EF4-FFF2-40B4-BE49-F238E27FC236}">
+                <a16:creationId xmlns:a16="http://schemas.microsoft.com/office/drawing/2014/main" id="{735428D7-5D87-FB78-4996-25A05A837B18}"/>
+              </a:ext>
+            </a:extLst>
+          </p:cNvPr>
+          <p:cNvSpPr/>
+          <p:nvPr/>
+        </p:nvSpPr>
+        <p:spPr>
+          <a:xfrm>
+            <a:off x="6705714" y="1892626"/>
+            <a:ext cx="1692988" cy="238588"/>
+          </a:xfrm>
+          <a:prstGeom prst="rect">
+            <a:avLst/>
+          </a:prstGeom>
+          <a:gradFill flip="none" rotWithShape="0">
+            <a:gsLst>
+              <a:gs pos="14000">
+                <a:srgbClr val="FF6534"/>
+              </a:gs>
+              <a:gs pos="100000">
+                <a:schemeClr val="bg1"/>
+              </a:gs>
+            </a:gsLst>
+            <a:lin ang="0" scaled="0"/>
+            <a:tileRect/>
+          </a:gradFill>
+          <a:ln w="38100">
+            <a:noFill/>
+          </a:ln>
+        </p:spPr>
+        <p:style>
+          <a:lnRef idx="2">
+            <a:schemeClr val="accent1">
+              <a:shade val="15000"/>
+            </a:schemeClr>
+          </a:lnRef>
+          <a:fillRef idx="1">
+            <a:schemeClr val="accent1"/>
+          </a:fillRef>
+          <a:effectRef idx="0">
+            <a:schemeClr val="accent1"/>
+          </a:effectRef>
+          <a:fontRef idx="minor">
+            <a:schemeClr val="lt1"/>
+          </a:fontRef>
+        </p:style>
+        <p:txBody>
+          <a:bodyPr rtlCol="0" anchor="ctr"/>
+          <a:lstStyle/>
+          <a:p>
+            <a:pPr algn="ctr"/>
+            <a:r>
+              <a:rPr lang="da-DK" sz="1100" dirty="0">
+                <a:solidFill>
+                  <a:schemeClr val="tx1"/>
+                </a:solidFill>
+              </a:rPr>
+              <a:t>Alert</a:t>
+            </a:r>
+            <a:endParaRPr lang="en-US" sz="1100" dirty="0">
+              <a:solidFill>
+                <a:schemeClr val="tx1"/>
+              </a:solidFill>
+            </a:endParaRPr>
+          </a:p>
+        </p:txBody>
+      </p:sp>
+      <p:grpSp>
+        <p:nvGrpSpPr>
+          <p:cNvPr id="46" name="Group 45">
+            <a:extLst>
+              <a:ext uri="{FF2B5EF4-FFF2-40B4-BE49-F238E27FC236}">
+                <a16:creationId xmlns:a16="http://schemas.microsoft.com/office/drawing/2014/main" id="{347CE967-0D6E-6FAA-19D9-3F3DC920CB56}"/>
+              </a:ext>
+            </a:extLst>
+          </p:cNvPr>
+          <p:cNvGrpSpPr/>
+          <p:nvPr/>
+        </p:nvGrpSpPr>
+        <p:grpSpPr>
+          <a:xfrm>
+            <a:off x="2355302" y="1961983"/>
+            <a:ext cx="1698741" cy="626838"/>
+            <a:chOff x="2359031" y="1956946"/>
+            <a:chExt cx="1698741" cy="626838"/>
+          </a:xfrm>
+        </p:grpSpPr>
+        <p:sp>
+          <p:nvSpPr>
+            <p:cNvPr id="2" name="Rectangle 1">
+              <a:extLst>
+                <a:ext uri="{FF2B5EF4-FFF2-40B4-BE49-F238E27FC236}">
+                  <a16:creationId xmlns:a16="http://schemas.microsoft.com/office/drawing/2014/main" id="{F351E8C0-9B39-39BC-7B15-387FC7DC2490}"/>
+                </a:ext>
+              </a:extLst>
+            </p:cNvPr>
+            <p:cNvSpPr/>
+            <p:nvPr/>
+          </p:nvSpPr>
+          <p:spPr>
+            <a:xfrm>
+              <a:off x="2362184" y="1956946"/>
+              <a:ext cx="1692987" cy="136555"/>
+            </a:xfrm>
+            <a:prstGeom prst="rect">
+              <a:avLst/>
+            </a:prstGeom>
+            <a:gradFill flip="none" rotWithShape="0">
+              <a:gsLst>
+                <a:gs pos="14000">
+                  <a:srgbClr val="FF6534"/>
+                </a:gs>
+                <a:gs pos="100000">
+                  <a:schemeClr val="bg1"/>
+                </a:gs>
+              </a:gsLst>
+              <a:lin ang="10800000" scaled="0"/>
+              <a:tileRect/>
+            </a:gradFill>
+            <a:ln w="38100">
+              <a:noFill/>
+            </a:ln>
+          </p:spPr>
+          <p:style>
+            <a:lnRef idx="2">
+              <a:schemeClr val="accent1">
+                <a:shade val="15000"/>
+              </a:schemeClr>
+            </a:lnRef>
+            <a:fillRef idx="1">
+              <a:schemeClr val="accent1"/>
+            </a:fillRef>
+            <a:effectRef idx="0">
+              <a:schemeClr val="accent1"/>
+            </a:effectRef>
+            <a:fontRef idx="minor">
+              <a:schemeClr val="lt1"/>
+            </a:fontRef>
+          </p:style>
+          <p:txBody>
+            <a:bodyPr rtlCol="0" anchor="ctr"/>
+            <a:lstStyle/>
+            <a:p>
+              <a:pPr algn="ctr"/>
+              <a:r>
+                <a:rPr lang="da-DK" sz="1100" dirty="0" err="1">
+                  <a:solidFill>
+                    <a:schemeClr val="tx1"/>
+                  </a:solidFill>
+                </a:rPr>
+                <a:t>Temperature</a:t>
+              </a:r>
+              <a:r>
+                <a:rPr lang="da-DK" sz="1100" dirty="0">
+                  <a:solidFill>
+                    <a:schemeClr val="tx1"/>
+                  </a:solidFill>
+                </a:rPr>
+                <a:t> </a:t>
+              </a:r>
+              <a:r>
+                <a:rPr lang="da-DK" sz="1100" dirty="0" err="1">
+                  <a:solidFill>
+                    <a:schemeClr val="tx1"/>
+                  </a:solidFill>
+                </a:rPr>
+                <a:t>slope</a:t>
+              </a:r>
+              <a:r>
+                <a:rPr lang="da-DK" sz="1100" dirty="0">
+                  <a:solidFill>
+                    <a:schemeClr val="tx1"/>
+                  </a:solidFill>
+                </a:rPr>
+                <a:t> </a:t>
+              </a:r>
+              <a:r>
+                <a:rPr lang="da-DK" sz="1100" dirty="0" err="1">
+                  <a:solidFill>
+                    <a:schemeClr val="tx1"/>
+                  </a:solidFill>
+                </a:rPr>
+                <a:t>mean</a:t>
               </a:r>
               <a:endParaRPr lang="en-US" sz="1100" dirty="0">
                 <a:solidFill>
@@ -4551,10 +6133,10 @@
         </p:sp>
         <p:sp>
           <p:nvSpPr>
-            <p:cNvPr id="3" name="Rectangle 2">
+            <p:cNvPr id="5" name="Rectangle 4">
               <a:extLst>
                 <a:ext uri="{FF2B5EF4-FFF2-40B4-BE49-F238E27FC236}">
-                  <a16:creationId xmlns:a16="http://schemas.microsoft.com/office/drawing/2014/main" id="{50B087EB-9CAA-EF74-0944-4C1B40349079}"/>
+                  <a16:creationId xmlns:a16="http://schemas.microsoft.com/office/drawing/2014/main" id="{EF1A3FE6-AD81-11DC-EFA5-C8FE909972C6}"/>
                 </a:ext>
               </a:extLst>
             </p:cNvPr>
@@ -4563,25 +6145,108 @@
           </p:nvSpPr>
           <p:spPr>
             <a:xfrm>
-              <a:off x="2755106" y="2383167"/>
-              <a:ext cx="1578848" cy="186969"/>
+              <a:off x="2364784" y="2124064"/>
+              <a:ext cx="1692988" cy="136555"/>
             </a:xfrm>
             <a:prstGeom prst="rect">
               <a:avLst/>
             </a:prstGeom>
             <a:gradFill flip="none" rotWithShape="0">
               <a:gsLst>
-                <a:gs pos="0">
-                  <a:srgbClr val="8ED973">
-                    <a:tint val="66000"/>
-                    <a:satMod val="160000"/>
-                  </a:srgbClr>
+                <a:gs pos="14000">
+                  <a:srgbClr val="FF6534"/>
                 </a:gs>
                 <a:gs pos="100000">
-                  <a:schemeClr val="accent1">
-                    <a:lumMod val="40000"/>
-                    <a:lumOff val="60000"/>
-                  </a:schemeClr>
+                  <a:schemeClr val="bg1"/>
+                </a:gs>
+              </a:gsLst>
+              <a:lin ang="10800000" scaled="0"/>
+              <a:tileRect/>
+            </a:gradFill>
+            <a:ln w="38100">
+              <a:noFill/>
+            </a:ln>
+          </p:spPr>
+          <p:style>
+            <a:lnRef idx="2">
+              <a:schemeClr val="accent1">
+                <a:shade val="15000"/>
+              </a:schemeClr>
+            </a:lnRef>
+            <a:fillRef idx="1">
+              <a:schemeClr val="accent1"/>
+            </a:fillRef>
+            <a:effectRef idx="0">
+              <a:schemeClr val="accent1"/>
+            </a:effectRef>
+            <a:fontRef idx="minor">
+              <a:schemeClr val="lt1"/>
+            </a:fontRef>
+          </p:style>
+          <p:txBody>
+            <a:bodyPr rtlCol="0" anchor="ctr"/>
+            <a:lstStyle/>
+            <a:p>
+              <a:pPr algn="ctr"/>
+              <a:r>
+                <a:rPr lang="da-DK" sz="1100" dirty="0" err="1">
+                  <a:solidFill>
+                    <a:schemeClr val="tx1"/>
+                  </a:solidFill>
+                </a:rPr>
+                <a:t>Temperature</a:t>
+              </a:r>
+              <a:r>
+                <a:rPr lang="da-DK" sz="1100" dirty="0">
+                  <a:solidFill>
+                    <a:schemeClr val="tx1"/>
+                  </a:solidFill>
+                </a:rPr>
+                <a:t> </a:t>
+              </a:r>
+              <a:r>
+                <a:rPr lang="da-DK" sz="1100" dirty="0" err="1">
+                  <a:solidFill>
+                    <a:schemeClr val="tx1"/>
+                  </a:solidFill>
+                </a:rPr>
+                <a:t>slope</a:t>
+              </a:r>
+              <a:endParaRPr lang="en-US" sz="1100" dirty="0">
+                <a:solidFill>
+                  <a:schemeClr val="tx1"/>
+                </a:solidFill>
+              </a:endParaRPr>
+            </a:p>
+          </p:txBody>
+        </p:sp>
+        <p:sp>
+          <p:nvSpPr>
+            <p:cNvPr id="6" name="Rectangle 5">
+              <a:extLst>
+                <a:ext uri="{FF2B5EF4-FFF2-40B4-BE49-F238E27FC236}">
+                  <a16:creationId xmlns:a16="http://schemas.microsoft.com/office/drawing/2014/main" id="{D5748D41-BFC5-F33F-535E-93D56F5F3CDD}"/>
+                </a:ext>
+              </a:extLst>
+            </p:cNvPr>
+            <p:cNvSpPr/>
+            <p:nvPr/>
+          </p:nvSpPr>
+          <p:spPr>
+            <a:xfrm>
+              <a:off x="2359031" y="2286183"/>
+              <a:ext cx="1692989" cy="136555"/>
+            </a:xfrm>
+            <a:prstGeom prst="rect">
+              <a:avLst/>
+            </a:prstGeom>
+            <a:gradFill flip="none" rotWithShape="0">
+              <a:gsLst>
+                <a:gs pos="14000">
+                  <a:srgbClr val="FF6534"/>
+                </a:gs>
+                <a:gs pos="100000">
+                  <a:schemeClr val="bg1"/>
                 </a:gs>
               </a:gsLst>
               <a:lin ang="10800000" scaled="0"/>
@@ -4618,107 +6283,31 @@
                     <a:schemeClr val="tx1"/>
                   </a:solidFill>
                 </a:rPr>
-                <a:t>EDA Slope</a:t>
+                <a:t>EDA </a:t>
               </a:r>
-              <a:endParaRPr lang="en-US" sz="1100" dirty="0">
-                <a:solidFill>
-                  <a:schemeClr val="tx1"/>
-                </a:solidFill>
-              </a:endParaRPr>
-            </a:p>
-          </p:txBody>
-        </p:sp>
-      </p:grpSp>
-      <p:grpSp>
-        <p:nvGrpSpPr>
-          <p:cNvPr id="8" name="Group 7">
-            <a:extLst>
-              <a:ext uri="{FF2B5EF4-FFF2-40B4-BE49-F238E27FC236}">
-                <a16:creationId xmlns:a16="http://schemas.microsoft.com/office/drawing/2014/main" id="{666030BD-E798-5DC7-D38F-D963ABB4E375}"/>
-              </a:ext>
-            </a:extLst>
-          </p:cNvPr>
-          <p:cNvGrpSpPr/>
-          <p:nvPr/>
-        </p:nvGrpSpPr>
-        <p:grpSpPr>
-          <a:xfrm>
-            <a:off x="6209354" y="1979995"/>
-            <a:ext cx="1578849" cy="598105"/>
-            <a:chOff x="2755106" y="1972031"/>
-            <a:chExt cx="1578849" cy="598105"/>
-          </a:xfrm>
-        </p:grpSpPr>
-        <p:sp>
-          <p:nvSpPr>
-            <p:cNvPr id="9" name="Rectangle 8">
-              <a:extLst>
-                <a:ext uri="{FF2B5EF4-FFF2-40B4-BE49-F238E27FC236}">
-                  <a16:creationId xmlns:a16="http://schemas.microsoft.com/office/drawing/2014/main" id="{0345C528-F9E6-D15B-EE9A-46070BAE50A0}"/>
-                </a:ext>
-              </a:extLst>
-            </p:cNvPr>
-            <p:cNvSpPr/>
-            <p:nvPr/>
-          </p:nvSpPr>
-          <p:spPr>
-            <a:xfrm>
-              <a:off x="2755106" y="1972031"/>
-              <a:ext cx="1578849" cy="186969"/>
-            </a:xfrm>
-            <a:prstGeom prst="rect">
-              <a:avLst/>
-            </a:prstGeom>
-            <a:gradFill flip="none" rotWithShape="0">
-              <a:gsLst>
-                <a:gs pos="0">
-                  <a:srgbClr val="8ED973">
-                    <a:tint val="66000"/>
-                    <a:satMod val="160000"/>
-                  </a:srgbClr>
-                </a:gs>
-                <a:gs pos="100000">
-                  <a:schemeClr val="accent1">
-                    <a:lumMod val="40000"/>
-                    <a:lumOff val="60000"/>
-                  </a:schemeClr>
-                </a:gs>
-              </a:gsLst>
-              <a:lin ang="0" scaled="0"/>
-              <a:tileRect/>
-            </a:gradFill>
-            <a:ln w="38100">
-              <a:noFill/>
-            </a:ln>
-          </p:spPr>
-          <p:style>
-            <a:lnRef idx="2">
-              <a:schemeClr val="accent1">
-                <a:shade val="15000"/>
-              </a:schemeClr>
-            </a:lnRef>
-            <a:fillRef idx="1">
-              <a:schemeClr val="accent1"/>
-            </a:fillRef>
-            <a:effectRef idx="0">
-              <a:schemeClr val="accent1"/>
-            </a:effectRef>
-            <a:fontRef idx="minor">
-              <a:schemeClr val="lt1"/>
-            </a:fontRef>
-          </p:style>
-          <p:txBody>
-            <a:bodyPr rtlCol="0" anchor="ctr"/>
-            <a:lstStyle/>
-            <a:p>
-              <a:pPr algn="ctr"/>
               <a:r>
                 <a:rPr lang="da-DK" sz="1100" dirty="0" err="1">
                   <a:solidFill>
                     <a:schemeClr val="tx1"/>
                   </a:solidFill>
                 </a:rPr>
-                <a:t>Ashamed</a:t>
+                <a:t>slope</a:t>
+              </a:r>
+              <a:r>
+                <a:rPr lang="da-DK" sz="1100" dirty="0">
+                  <a:solidFill>
+                    <a:schemeClr val="tx1"/>
+                  </a:solidFill>
+                </a:rPr>
+                <a:t> </a:t>
+              </a:r>
+              <a:r>
+                <a:rPr lang="da-DK" sz="1100" dirty="0" err="1">
+                  <a:solidFill>
+                    <a:schemeClr val="tx1"/>
+                  </a:solidFill>
+                </a:rPr>
+                <a:t>mean</a:t>
               </a:r>
               <a:endParaRPr lang="en-US" sz="1100" dirty="0">
                 <a:solidFill>
@@ -4730,10 +6319,10 @@
         </p:sp>
         <p:sp>
           <p:nvSpPr>
-            <p:cNvPr id="12" name="Rectangle 11">
+            <p:cNvPr id="11" name="Rectangle 10">
               <a:extLst>
                 <a:ext uri="{FF2B5EF4-FFF2-40B4-BE49-F238E27FC236}">
-                  <a16:creationId xmlns:a16="http://schemas.microsoft.com/office/drawing/2014/main" id="{B6E34ED6-43BB-3C58-82DE-DF20E61A7F23}"/>
+                  <a16:creationId xmlns:a16="http://schemas.microsoft.com/office/drawing/2014/main" id="{42FB20AB-4AF0-0BB0-83AC-8A1EDB7FA4EC}"/>
                 </a:ext>
               </a:extLst>
             </p:cNvPr>
@@ -4742,107 +6331,22 @@
           </p:nvSpPr>
           <p:spPr>
             <a:xfrm>
-              <a:off x="2755106" y="2177599"/>
-              <a:ext cx="1578848" cy="186969"/>
+              <a:off x="2359031" y="2447229"/>
+              <a:ext cx="1692989" cy="136555"/>
             </a:xfrm>
             <a:prstGeom prst="rect">
               <a:avLst/>
             </a:prstGeom>
             <a:gradFill flip="none" rotWithShape="0">
               <a:gsLst>
-                <a:gs pos="0">
-                  <a:srgbClr val="8ED973">
-                    <a:tint val="66000"/>
-                    <a:satMod val="160000"/>
-                  </a:srgbClr>
+                <a:gs pos="14000">
+                  <a:srgbClr val="FF6534"/>
                 </a:gs>
                 <a:gs pos="100000">
-                  <a:schemeClr val="accent1">
-                    <a:lumMod val="40000"/>
-                    <a:lumOff val="60000"/>
-                  </a:schemeClr>
+                  <a:schemeClr val="bg1"/>
                 </a:gs>
               </a:gsLst>
-              <a:lin ang="0" scaled="0"/>
-              <a:tileRect/>
-            </a:gradFill>
-            <a:ln w="38100">
-              <a:noFill/>
-            </a:ln>
-          </p:spPr>
-          <p:style>
-            <a:lnRef idx="2">
-              <a:schemeClr val="accent1">
-                <a:shade val="15000"/>
-              </a:schemeClr>
-            </a:lnRef>
-            <a:fillRef idx="1">
-              <a:schemeClr val="accent1"/>
-            </a:fillRef>
-            <a:effectRef idx="0">
-              <a:schemeClr val="accent1"/>
-            </a:effectRef>
-            <a:fontRef idx="minor">
-              <a:schemeClr val="lt1"/>
-            </a:fontRef>
-          </p:style>
-          <p:txBody>
-            <a:bodyPr rtlCol="0" anchor="ctr"/>
-            <a:lstStyle/>
-            <a:p>
-              <a:pPr algn="ctr"/>
-              <a:r>
-                <a:rPr lang="da-DK" sz="1100" dirty="0" err="1">
-                  <a:solidFill>
-                    <a:schemeClr val="tx1"/>
-                  </a:solidFill>
-                </a:rPr>
-                <a:t>Afraid</a:t>
-              </a:r>
-              <a:endParaRPr lang="en-US" sz="1100" dirty="0">
-                <a:solidFill>
-                  <a:schemeClr val="tx1"/>
-                </a:solidFill>
-              </a:endParaRPr>
-            </a:p>
-          </p:txBody>
-        </p:sp>
-        <p:sp>
-          <p:nvSpPr>
-            <p:cNvPr id="13" name="Rectangle 12">
-              <a:extLst>
-                <a:ext uri="{FF2B5EF4-FFF2-40B4-BE49-F238E27FC236}">
-                  <a16:creationId xmlns:a16="http://schemas.microsoft.com/office/drawing/2014/main" id="{9FFAE0BD-9E13-1EDC-DBD0-B32169B473A7}"/>
-                </a:ext>
-              </a:extLst>
-            </p:cNvPr>
-            <p:cNvSpPr/>
-            <p:nvPr/>
-          </p:nvSpPr>
-          <p:spPr>
-            <a:xfrm>
-              <a:off x="2755106" y="2383167"/>
-              <a:ext cx="1578848" cy="186969"/>
-            </a:xfrm>
-            <a:prstGeom prst="rect">
-              <a:avLst/>
-            </a:prstGeom>
-            <a:gradFill flip="none" rotWithShape="0">
-              <a:gsLst>
-                <a:gs pos="0">
-                  <a:srgbClr val="8ED973">
-                    <a:tint val="66000"/>
-                    <a:satMod val="160000"/>
-                  </a:srgbClr>
-                </a:gs>
-                <a:gs pos="100000">
-                  <a:schemeClr val="accent1">
-                    <a:lumMod val="40000"/>
-                    <a:lumOff val="60000"/>
-                  </a:schemeClr>
-                </a:gs>
-              </a:gsLst>
-              <a:lin ang="0" scaled="0"/>
+              <a:lin ang="10800000" scaled="0"/>
               <a:tileRect/>
             </a:gradFill>
             <a:ln w="38100">
@@ -4876,7 +6380,15 @@
                     <a:schemeClr val="tx1"/>
                   </a:solidFill>
                 </a:rPr>
-                <a:t>Active</a:t>
+                <a:t>EDA </a:t>
+              </a:r>
+              <a:r>
+                <a:rPr lang="da-DK" sz="1100" dirty="0" err="1">
+                  <a:solidFill>
+                    <a:schemeClr val="tx1"/>
+                  </a:solidFill>
+                </a:rPr>
+                <a:t>slope</a:t>
               </a:r>
               <a:endParaRPr lang="en-US" sz="1100" dirty="0">
                 <a:solidFill>
@@ -4887,42 +6399,12 @@
           </p:txBody>
         </p:sp>
       </p:grpSp>
-    </p:spTree>
-    <p:extLst>
-      <p:ext uri="{BB962C8B-B14F-4D97-AF65-F5344CB8AC3E}">
-        <p14:creationId xmlns:p14="http://schemas.microsoft.com/office/powerpoint/2010/main" val="3096039406"/>
-      </p:ext>
-    </p:extLst>
-  </p:cSld>
-  <p:clrMapOvr>
-    <a:masterClrMapping/>
-  </p:clrMapOvr>
-</p:sld>
-</file>
-
-<file path=ppt/slides/slide3.xml><?xml version="1.0" encoding="utf-8"?>
-<p:sld xmlns:a="http://schemas.openxmlformats.org/drawingml/2006/main" xmlns:r="http://schemas.openxmlformats.org/officeDocument/2006/relationships" xmlns:p="http://schemas.openxmlformats.org/presentationml/2006/main">
-  <p:cSld>
-    <p:spTree>
-      <p:nvGrpSpPr>
-        <p:cNvPr id="1" name=""/>
-        <p:cNvGrpSpPr/>
-        <p:nvPr/>
-      </p:nvGrpSpPr>
-      <p:grpSpPr>
-        <a:xfrm>
-          <a:off x="0" y="0"/>
-          <a:ext cx="0" cy="0"/>
-          <a:chOff x="0" y="0"/>
-          <a:chExt cx="0" cy="0"/>
-        </a:xfrm>
-      </p:grpSpPr>
       <p:grpSp>
         <p:nvGrpSpPr>
-          <p:cNvPr id="5" name="Group 4">
-            <a:extLst>
-              <a:ext uri="{FF2B5EF4-FFF2-40B4-BE49-F238E27FC236}">
-                <a16:creationId xmlns:a16="http://schemas.microsoft.com/office/drawing/2014/main" id="{179EA0A3-EF49-6A39-48E7-784241C9CACF}"/>
+          <p:cNvPr id="27" name="Group 26">
+            <a:extLst>
+              <a:ext uri="{FF2B5EF4-FFF2-40B4-BE49-F238E27FC236}">
+                <a16:creationId xmlns:a16="http://schemas.microsoft.com/office/drawing/2014/main" id="{C3AAB70A-E6E3-6087-CDAF-5181FE646011}"/>
               </a:ext>
             </a:extLst>
           </p:cNvPr>
@@ -4931,82 +6413,12 @@
         </p:nvGrpSpPr>
         <p:grpSpPr>
           <a:xfrm>
-            <a:off x="4412381" y="1969074"/>
-            <a:ext cx="1718547" cy="609026"/>
-            <a:chOff x="4412381" y="1969074"/>
-            <a:chExt cx="1718547" cy="609026"/>
+            <a:off x="4260850" y="2094608"/>
+            <a:ext cx="2239189" cy="387927"/>
+            <a:chOff x="4260850" y="2094608"/>
+            <a:chExt cx="2239189" cy="387927"/>
           </a:xfrm>
         </p:grpSpPr>
-        <p:sp>
-          <p:nvSpPr>
-            <p:cNvPr id="18" name="Trapezoid 17">
-              <a:extLst>
-                <a:ext uri="{FF2B5EF4-FFF2-40B4-BE49-F238E27FC236}">
-                  <a16:creationId xmlns:a16="http://schemas.microsoft.com/office/drawing/2014/main" id="{A5602970-A38C-E118-44C8-41862BF30A8A}"/>
-                </a:ext>
-              </a:extLst>
-            </p:cNvPr>
-            <p:cNvSpPr/>
-            <p:nvPr/>
-          </p:nvSpPr>
-          <p:spPr>
-            <a:xfrm rot="5400000">
-              <a:off x="4330191" y="2051264"/>
-              <a:ext cx="603250" cy="438870"/>
-            </a:xfrm>
-            <a:prstGeom prst="trapezoid">
-              <a:avLst/>
-            </a:prstGeom>
-            <a:gradFill flip="none" rotWithShape="0">
-              <a:gsLst>
-                <a:gs pos="100000">
-                  <a:srgbClr val="8ED973">
-                    <a:tint val="66000"/>
-                    <a:satMod val="160000"/>
-                  </a:srgbClr>
-                </a:gs>
-                <a:gs pos="25000">
-                  <a:srgbClr val="8ED973"/>
-                </a:gs>
-                <a:gs pos="100000">
-                  <a:srgbClr val="8ED973">
-                    <a:tint val="23500"/>
-                    <a:satMod val="160000"/>
-                  </a:srgbClr>
-                </a:gs>
-              </a:gsLst>
-              <a:lin ang="10800000" scaled="1"/>
-              <a:tileRect/>
-            </a:gradFill>
-            <a:ln>
-              <a:noFill/>
-            </a:ln>
-          </p:spPr>
-          <p:style>
-            <a:lnRef idx="2">
-              <a:schemeClr val="accent1">
-                <a:shade val="15000"/>
-              </a:schemeClr>
-            </a:lnRef>
-            <a:fillRef idx="1">
-              <a:schemeClr val="accent1"/>
-            </a:fillRef>
-            <a:effectRef idx="0">
-              <a:schemeClr val="accent1"/>
-            </a:effectRef>
-            <a:fontRef idx="minor">
-              <a:schemeClr val="lt1"/>
-            </a:fontRef>
-          </p:style>
-          <p:txBody>
-            <a:bodyPr rtlCol="0" anchor="ctr"/>
-            <a:lstStyle/>
-            <a:p>
-              <a:pPr algn="ctr"/>
-              <a:endParaRPr lang="en-US" dirty="0"/>
-            </a:p>
-          </p:txBody>
-        </p:sp>
         <p:sp>
           <p:nvSpPr>
             <p:cNvPr id="4" name="Rectangle 3">
@@ -5021,17 +6433,14 @@
           </p:nvSpPr>
           <p:spPr>
             <a:xfrm>
-              <a:off x="4932218" y="2078181"/>
+              <a:off x="5041008" y="2094608"/>
               <a:ext cx="678873" cy="387927"/>
             </a:xfrm>
             <a:prstGeom prst="rect">
               <a:avLst/>
             </a:prstGeom>
             <a:solidFill>
-              <a:schemeClr val="accent6">
-                <a:lumMod val="60000"/>
-                <a:lumOff val="40000"/>
-              </a:schemeClr>
+              <a:srgbClr val="FF5722"/>
             </a:solidFill>
             <a:ln w="38100">
               <a:noFill/>
@@ -5059,14 +6468,14 @@
             <a:p>
               <a:pPr algn="ctr"/>
               <a:r>
-                <a:rPr lang="da-DK" sz="1500" dirty="0">
+                <a:rPr lang="da-DK" dirty="0">
                   <a:solidFill>
                     <a:schemeClr val="tx1"/>
                   </a:solidFill>
                 </a:rPr>
-                <a:t>???</a:t>
+                <a:t>0.60</a:t>
               </a:r>
-              <a:endParaRPr lang="en-US" sz="1500" dirty="0">
+              <a:endParaRPr lang="en-US" dirty="0">
                 <a:solidFill>
                   <a:schemeClr val="tx1"/>
                 </a:solidFill>
@@ -5076,10 +6485,10 @@
         </p:sp>
         <p:sp>
           <p:nvSpPr>
-            <p:cNvPr id="10" name="Trapezoid 9">
+            <p:cNvPr id="16" name="Arrow: Right 15">
               <a:extLst>
                 <a:ext uri="{FF2B5EF4-FFF2-40B4-BE49-F238E27FC236}">
-                  <a16:creationId xmlns:a16="http://schemas.microsoft.com/office/drawing/2014/main" id="{81CAC35F-86D3-D5BE-AE1F-9CA8CF67B73D}"/>
+                  <a16:creationId xmlns:a16="http://schemas.microsoft.com/office/drawing/2014/main" id="{74A83CD0-C0B4-EB04-3C3F-617D5930FB52}"/>
                 </a:ext>
               </a:extLst>
             </p:cNvPr>
@@ -5087,36 +6496,20 @@
             <p:nvPr/>
           </p:nvSpPr>
           <p:spPr>
-            <a:xfrm rot="16200000">
-              <a:off x="5609868" y="2057040"/>
-              <a:ext cx="603250" cy="438870"/>
+            <a:xfrm>
+              <a:off x="4260850" y="2128448"/>
+              <a:ext cx="574481" cy="296917"/>
             </a:xfrm>
-            <a:prstGeom prst="trapezoid">
+            <a:prstGeom prst="rightArrow">
               <a:avLst/>
             </a:prstGeom>
-            <a:gradFill flip="none" rotWithShape="0">
-              <a:gsLst>
-                <a:gs pos="100000">
-                  <a:srgbClr val="8ED973">
-                    <a:tint val="66000"/>
-                    <a:satMod val="160000"/>
-                  </a:srgbClr>
-                </a:gs>
-                <a:gs pos="31000">
-                  <a:srgbClr val="8ED973"/>
-                </a:gs>
-                <a:gs pos="100000">
-                  <a:srgbClr val="8ED973">
-                    <a:tint val="23500"/>
-                    <a:satMod val="160000"/>
-                  </a:srgbClr>
-                </a:gs>
-              </a:gsLst>
-              <a:lin ang="0" scaled="1"/>
-              <a:tileRect/>
-            </a:gradFill>
+            <a:solidFill>
+              <a:srgbClr val="FF5722"/>
+            </a:solidFill>
             <a:ln>
-              <a:noFill/>
+              <a:solidFill>
+                <a:srgbClr val="FF5722"/>
+              </a:solidFill>
             </a:ln>
           </p:spPr>
           <p:style>
@@ -5140,89 +6533,397 @@
             <a:lstStyle/>
             <a:p>
               <a:pPr algn="ctr"/>
-              <a:endParaRPr lang="en-US" dirty="0"/>
+              <a:endParaRPr lang="en-US" dirty="0">
+                <a:solidFill>
+                  <a:schemeClr val="tx1"/>
+                </a:solidFill>
+              </a:endParaRPr>
             </a:p>
           </p:txBody>
         </p:sp>
-        <p:sp>
-          <p:nvSpPr>
-            <p:cNvPr id="14" name="TextBox 13">
+        <p:grpSp>
+          <p:nvGrpSpPr>
+            <p:cNvPr id="25" name="Group 24">
               <a:extLst>
                 <a:ext uri="{FF2B5EF4-FFF2-40B4-BE49-F238E27FC236}">
-                  <a16:creationId xmlns:a16="http://schemas.microsoft.com/office/drawing/2014/main" id="{2A5BB842-EDD6-77B8-0CE0-05D86F3331BC}"/>
+                  <a16:creationId xmlns:a16="http://schemas.microsoft.com/office/drawing/2014/main" id="{90D6EB14-B726-0BDC-DA12-9C5E544F105F}"/>
                 </a:ext>
               </a:extLst>
             </p:cNvPr>
-            <p:cNvSpPr txBox="1"/>
+            <p:cNvGrpSpPr/>
             <p:nvPr/>
-          </p:nvSpPr>
-          <p:spPr>
+          </p:nvGrpSpPr>
+          <p:grpSpPr>
             <a:xfrm>
-              <a:off x="5707979" y="2116206"/>
-              <a:ext cx="407028" cy="323165"/>
+              <a:off x="5921240" y="2124064"/>
+              <a:ext cx="578799" cy="323165"/>
+              <a:chOff x="4470218" y="3022267"/>
+              <a:chExt cx="578799" cy="323165"/>
             </a:xfrm>
-            <a:prstGeom prst="rect">
-              <a:avLst/>
-            </a:prstGeom>
-            <a:noFill/>
-          </p:spPr>
-          <p:txBody>
-            <a:bodyPr wrap="square" rtlCol="0">
-              <a:spAutoFit/>
-            </a:bodyPr>
-            <a:lstStyle/>
-            <a:p>
-              <a:r>
-                <a:rPr lang="da-DK" sz="1500" dirty="0"/>
-                <a:t>V3</a:t>
-              </a:r>
-              <a:endParaRPr lang="en-US" sz="1500" dirty="0"/>
-            </a:p>
-          </p:txBody>
-        </p:sp>
-        <p:sp>
-          <p:nvSpPr>
-            <p:cNvPr id="34" name="TextBox 33">
-              <a:extLst>
-                <a:ext uri="{FF2B5EF4-FFF2-40B4-BE49-F238E27FC236}">
-                  <a16:creationId xmlns:a16="http://schemas.microsoft.com/office/drawing/2014/main" id="{2B304E98-E917-F047-3059-DAEDAC817F3D}"/>
-                </a:ext>
-              </a:extLst>
-            </p:cNvPr>
-            <p:cNvSpPr txBox="1"/>
-            <p:nvPr/>
-          </p:nvSpPr>
-          <p:spPr>
-            <a:xfrm>
-              <a:off x="4428301" y="2121340"/>
-              <a:ext cx="422949" cy="323165"/>
-            </a:xfrm>
-            <a:prstGeom prst="rect">
-              <a:avLst/>
-            </a:prstGeom>
-            <a:noFill/>
-          </p:spPr>
-          <p:txBody>
-            <a:bodyPr wrap="square" rtlCol="0">
-              <a:spAutoFit/>
-            </a:bodyPr>
-            <a:lstStyle/>
-            <a:p>
-              <a:r>
-                <a:rPr lang="da-DK" sz="1500" dirty="0"/>
-                <a:t>U3</a:t>
-              </a:r>
-              <a:endParaRPr lang="en-US" sz="1500" dirty="0"/>
-            </a:p>
-          </p:txBody>
-        </p:sp>
+          </p:grpSpPr>
+          <p:sp>
+            <p:nvSpPr>
+              <p:cNvPr id="21" name="Arrow: Right 20">
+                <a:extLst>
+                  <a:ext uri="{FF2B5EF4-FFF2-40B4-BE49-F238E27FC236}">
+                    <a16:creationId xmlns:a16="http://schemas.microsoft.com/office/drawing/2014/main" id="{012E282C-F117-CCD6-CE81-FC23C91719DB}"/>
+                  </a:ext>
+                </a:extLst>
+              </p:cNvPr>
+              <p:cNvSpPr/>
+              <p:nvPr/>
+            </p:nvSpPr>
+            <p:spPr>
+              <a:xfrm rot="10800000">
+                <a:off x="4470218" y="3025147"/>
+                <a:ext cx="574481" cy="296917"/>
+              </a:xfrm>
+              <a:prstGeom prst="rightArrow">
+                <a:avLst/>
+              </a:prstGeom>
+              <a:solidFill>
+                <a:srgbClr val="FF5722"/>
+              </a:solidFill>
+              <a:ln>
+                <a:solidFill>
+                  <a:srgbClr val="FF5722"/>
+                </a:solidFill>
+              </a:ln>
+            </p:spPr>
+            <p:style>
+              <a:lnRef idx="2">
+                <a:schemeClr val="accent1">
+                  <a:shade val="15000"/>
+                </a:schemeClr>
+              </a:lnRef>
+              <a:fillRef idx="1">
+                <a:schemeClr val="accent1"/>
+              </a:fillRef>
+              <a:effectRef idx="0">
+                <a:schemeClr val="accent1"/>
+              </a:effectRef>
+              <a:fontRef idx="minor">
+                <a:schemeClr val="lt1"/>
+              </a:fontRef>
+            </p:style>
+            <p:txBody>
+              <a:bodyPr rtlCol="0" anchor="ctr"/>
+              <a:lstStyle/>
+              <a:p>
+                <a:pPr algn="ctr"/>
+                <a:endParaRPr lang="en-US" dirty="0">
+                  <a:solidFill>
+                    <a:schemeClr val="tx1"/>
+                  </a:solidFill>
+                </a:endParaRPr>
+              </a:p>
+            </p:txBody>
+          </p:sp>
+          <p:sp>
+            <p:nvSpPr>
+              <p:cNvPr id="23" name="TextBox 22">
+                <a:extLst>
+                  <a:ext uri="{FF2B5EF4-FFF2-40B4-BE49-F238E27FC236}">
+                    <a16:creationId xmlns:a16="http://schemas.microsoft.com/office/drawing/2014/main" id="{387E8C34-305D-348C-E7A7-D350A1061E57}"/>
+                  </a:ext>
+                </a:extLst>
+              </p:cNvPr>
+              <p:cNvSpPr txBox="1"/>
+              <p:nvPr/>
+            </p:nvSpPr>
+            <p:spPr>
+              <a:xfrm>
+                <a:off x="4610148" y="3022267"/>
+                <a:ext cx="438869" cy="323165"/>
+              </a:xfrm>
+              <a:prstGeom prst="rect">
+                <a:avLst/>
+              </a:prstGeom>
+              <a:noFill/>
+            </p:spPr>
+            <p:txBody>
+              <a:bodyPr wrap="square" rtlCol="0">
+                <a:spAutoFit/>
+              </a:bodyPr>
+              <a:lstStyle/>
+              <a:p>
+                <a:r>
+                  <a:rPr lang="da-DK" sz="1500" dirty="0"/>
+                  <a:t>U3</a:t>
+                </a:r>
+                <a:endParaRPr lang="en-US" sz="1500" dirty="0"/>
+              </a:p>
+            </p:txBody>
+          </p:sp>
+        </p:grpSp>
       </p:grpSp>
       <p:sp>
         <p:nvSpPr>
-          <p:cNvPr id="7" name="Rectangle 6">
-            <a:extLst>
-              <a:ext uri="{FF2B5EF4-FFF2-40B4-BE49-F238E27FC236}">
-                <a16:creationId xmlns:a16="http://schemas.microsoft.com/office/drawing/2014/main" id="{18B67CEB-FCA1-2843-099E-37B3EE8C1073}"/>
+          <p:cNvPr id="26" name="TextBox 25">
+            <a:extLst>
+              <a:ext uri="{FF2B5EF4-FFF2-40B4-BE49-F238E27FC236}">
+                <a16:creationId xmlns:a16="http://schemas.microsoft.com/office/drawing/2014/main" id="{EB2C7BA8-AE61-247C-2D9D-94A95D1DAB2A}"/>
+              </a:ext>
+            </a:extLst>
+          </p:cNvPr>
+          <p:cNvSpPr txBox="1"/>
+          <p:nvPr/>
+        </p:nvSpPr>
+        <p:spPr>
+          <a:xfrm>
+            <a:off x="4328655" y="2118690"/>
+            <a:ext cx="438869" cy="323165"/>
+          </a:xfrm>
+          <a:prstGeom prst="rect">
+            <a:avLst/>
+          </a:prstGeom>
+          <a:noFill/>
+        </p:spPr>
+        <p:txBody>
+          <a:bodyPr wrap="square" rtlCol="0">
+            <a:spAutoFit/>
+          </a:bodyPr>
+          <a:lstStyle/>
+          <a:p>
+            <a:r>
+              <a:rPr lang="da-DK" sz="1500" dirty="0"/>
+              <a:t>V3</a:t>
+            </a:r>
+            <a:endParaRPr lang="en-US" sz="1500" dirty="0"/>
+          </a:p>
+        </p:txBody>
+      </p:sp>
+      <p:cxnSp>
+        <p:nvCxnSpPr>
+          <p:cNvPr id="33" name="Straight Connector 32">
+            <a:extLst>
+              <a:ext uri="{FF2B5EF4-FFF2-40B4-BE49-F238E27FC236}">
+                <a16:creationId xmlns:a16="http://schemas.microsoft.com/office/drawing/2014/main" id="{462DB483-F677-1537-A02C-88305D1A7916}"/>
+              </a:ext>
+            </a:extLst>
+          </p:cNvPr>
+          <p:cNvCxnSpPr>
+            <a:cxnSpLocks/>
+            <a:stCxn id="2" idx="3"/>
+            <a:endCxn id="16" idx="1"/>
+          </p:cNvCxnSpPr>
+          <p:nvPr/>
+        </p:nvCxnSpPr>
+        <p:spPr>
+          <a:xfrm>
+            <a:off x="4051442" y="2030261"/>
+            <a:ext cx="209408" cy="246646"/>
+          </a:xfrm>
+          <a:prstGeom prst="line">
+            <a:avLst/>
+          </a:prstGeom>
+          <a:ln>
+            <a:solidFill>
+              <a:srgbClr val="FF6534"/>
+            </a:solidFill>
+          </a:ln>
+        </p:spPr>
+        <p:style>
+          <a:lnRef idx="2">
+            <a:schemeClr val="accent1"/>
+          </a:lnRef>
+          <a:fillRef idx="0">
+            <a:schemeClr val="accent1"/>
+          </a:fillRef>
+          <a:effectRef idx="1">
+            <a:schemeClr val="accent1"/>
+          </a:effectRef>
+          <a:fontRef idx="minor">
+            <a:schemeClr val="tx1"/>
+          </a:fontRef>
+        </p:style>
+      </p:cxnSp>
+      <p:cxnSp>
+        <p:nvCxnSpPr>
+          <p:cNvPr id="37" name="Straight Connector 36">
+            <a:extLst>
+              <a:ext uri="{FF2B5EF4-FFF2-40B4-BE49-F238E27FC236}">
+                <a16:creationId xmlns:a16="http://schemas.microsoft.com/office/drawing/2014/main" id="{D1C66E14-2D16-E1BC-BBE9-CE9B418A2E8D}"/>
+              </a:ext>
+            </a:extLst>
+          </p:cNvPr>
+          <p:cNvCxnSpPr>
+            <a:cxnSpLocks/>
+            <a:stCxn id="5" idx="3"/>
+            <a:endCxn id="16" idx="1"/>
+          </p:cNvCxnSpPr>
+          <p:nvPr/>
+        </p:nvCxnSpPr>
+        <p:spPr>
+          <a:xfrm>
+            <a:off x="4054043" y="2197379"/>
+            <a:ext cx="206807" cy="79528"/>
+          </a:xfrm>
+          <a:prstGeom prst="line">
+            <a:avLst/>
+          </a:prstGeom>
+          <a:ln>
+            <a:solidFill>
+              <a:srgbClr val="FF6534"/>
+            </a:solidFill>
+          </a:ln>
+        </p:spPr>
+        <p:style>
+          <a:lnRef idx="2">
+            <a:schemeClr val="accent1"/>
+          </a:lnRef>
+          <a:fillRef idx="0">
+            <a:schemeClr val="accent1"/>
+          </a:fillRef>
+          <a:effectRef idx="1">
+            <a:schemeClr val="accent1"/>
+          </a:effectRef>
+          <a:fontRef idx="minor">
+            <a:schemeClr val="tx1"/>
+          </a:fontRef>
+        </p:style>
+      </p:cxnSp>
+      <p:cxnSp>
+        <p:nvCxnSpPr>
+          <p:cNvPr id="40" name="Straight Connector 39">
+            <a:extLst>
+              <a:ext uri="{FF2B5EF4-FFF2-40B4-BE49-F238E27FC236}">
+                <a16:creationId xmlns:a16="http://schemas.microsoft.com/office/drawing/2014/main" id="{0285A80B-58E0-6E53-DDC3-A77436A50D08}"/>
+              </a:ext>
+            </a:extLst>
+          </p:cNvPr>
+          <p:cNvCxnSpPr>
+            <a:cxnSpLocks/>
+            <a:stCxn id="6" idx="3"/>
+            <a:endCxn id="16" idx="1"/>
+          </p:cNvCxnSpPr>
+          <p:nvPr/>
+        </p:nvCxnSpPr>
+        <p:spPr>
+          <a:xfrm flipV="1">
+            <a:off x="4048291" y="2276907"/>
+            <a:ext cx="212559" cy="82591"/>
+          </a:xfrm>
+          <a:prstGeom prst="line">
+            <a:avLst/>
+          </a:prstGeom>
+          <a:ln>
+            <a:solidFill>
+              <a:srgbClr val="FF6534"/>
+            </a:solidFill>
+          </a:ln>
+        </p:spPr>
+        <p:style>
+          <a:lnRef idx="2">
+            <a:schemeClr val="accent1"/>
+          </a:lnRef>
+          <a:fillRef idx="0">
+            <a:schemeClr val="accent1"/>
+          </a:fillRef>
+          <a:effectRef idx="1">
+            <a:schemeClr val="accent1"/>
+          </a:effectRef>
+          <a:fontRef idx="minor">
+            <a:schemeClr val="tx1"/>
+          </a:fontRef>
+        </p:style>
+      </p:cxnSp>
+      <p:cxnSp>
+        <p:nvCxnSpPr>
+          <p:cNvPr id="43" name="Straight Connector 42">
+            <a:extLst>
+              <a:ext uri="{FF2B5EF4-FFF2-40B4-BE49-F238E27FC236}">
+                <a16:creationId xmlns:a16="http://schemas.microsoft.com/office/drawing/2014/main" id="{F23C114F-8CBC-7C94-0ED2-7F616335BFDE}"/>
+              </a:ext>
+            </a:extLst>
+          </p:cNvPr>
+          <p:cNvCxnSpPr>
+            <a:cxnSpLocks/>
+            <a:stCxn id="11" idx="3"/>
+            <a:endCxn id="16" idx="1"/>
+          </p:cNvCxnSpPr>
+          <p:nvPr/>
+        </p:nvCxnSpPr>
+        <p:spPr>
+          <a:xfrm flipV="1">
+            <a:off x="4048291" y="2276907"/>
+            <a:ext cx="212559" cy="243637"/>
+          </a:xfrm>
+          <a:prstGeom prst="line">
+            <a:avLst/>
+          </a:prstGeom>
+          <a:ln>
+            <a:solidFill>
+              <a:srgbClr val="FF6534"/>
+            </a:solidFill>
+          </a:ln>
+        </p:spPr>
+        <p:style>
+          <a:lnRef idx="2">
+            <a:schemeClr val="accent1"/>
+          </a:lnRef>
+          <a:fillRef idx="0">
+            <a:schemeClr val="accent1"/>
+          </a:fillRef>
+          <a:effectRef idx="1">
+            <a:schemeClr val="accent1"/>
+          </a:effectRef>
+          <a:fontRef idx="minor">
+            <a:schemeClr val="tx1"/>
+          </a:fontRef>
+        </p:style>
+      </p:cxnSp>
+      <p:cxnSp>
+        <p:nvCxnSpPr>
+          <p:cNvPr id="47" name="Straight Connector 46">
+            <a:extLst>
+              <a:ext uri="{FF2B5EF4-FFF2-40B4-BE49-F238E27FC236}">
+                <a16:creationId xmlns:a16="http://schemas.microsoft.com/office/drawing/2014/main" id="{A6CFF81C-ABAD-88A9-267D-00037B4649FE}"/>
+              </a:ext>
+            </a:extLst>
+          </p:cNvPr>
+          <p:cNvCxnSpPr>
+            <a:cxnSpLocks/>
+            <a:stCxn id="9" idx="1"/>
+            <a:endCxn id="21" idx="1"/>
+          </p:cNvCxnSpPr>
+          <p:nvPr/>
+        </p:nvCxnSpPr>
+        <p:spPr>
+          <a:xfrm flipH="1">
+            <a:off x="6495721" y="2011920"/>
+            <a:ext cx="209993" cy="263482"/>
+          </a:xfrm>
+          <a:prstGeom prst="line">
+            <a:avLst/>
+          </a:prstGeom>
+          <a:ln>
+            <a:solidFill>
+              <a:srgbClr val="FF6534"/>
+            </a:solidFill>
+          </a:ln>
+        </p:spPr>
+        <p:style>
+          <a:lnRef idx="2">
+            <a:schemeClr val="accent1"/>
+          </a:lnRef>
+          <a:fillRef idx="0">
+            <a:schemeClr val="accent1"/>
+          </a:fillRef>
+          <a:effectRef idx="1">
+            <a:schemeClr val="accent1"/>
+          </a:effectRef>
+          <a:fontRef idx="minor">
+            <a:schemeClr val="tx1"/>
+          </a:fontRef>
+        </p:style>
+      </p:cxnSp>
+      <p:sp>
+        <p:nvSpPr>
+          <p:cNvPr id="12" name="Rectangle 11">
+            <a:extLst>
+              <a:ext uri="{FF2B5EF4-FFF2-40B4-BE49-F238E27FC236}">
+                <a16:creationId xmlns:a16="http://schemas.microsoft.com/office/drawing/2014/main" id="{0453D5A0-51A6-E810-011E-4166B078678F}"/>
               </a:ext>
             </a:extLst>
           </p:cNvPr>
@@ -5231,25 +6932,22 @@
         </p:nvSpPr>
         <p:spPr>
           <a:xfrm>
-            <a:off x="2990850" y="2286931"/>
-            <a:ext cx="1343105" cy="288350"/>
+            <a:off x="6705712" y="2440536"/>
+            <a:ext cx="1692987" cy="238588"/>
           </a:xfrm>
           <a:prstGeom prst="rect">
             <a:avLst/>
           </a:prstGeom>
           <a:gradFill flip="none" rotWithShape="0">
             <a:gsLst>
-              <a:gs pos="0">
-                <a:srgbClr val="B5F5A2"/>
+              <a:gs pos="14000">
+                <a:srgbClr val="FF6534"/>
               </a:gs>
               <a:gs pos="100000">
-                <a:schemeClr val="accent1">
-                  <a:lumMod val="40000"/>
-                  <a:lumOff val="60000"/>
-                </a:schemeClr>
+                <a:schemeClr val="bg1"/>
               </a:gs>
             </a:gsLst>
-            <a:lin ang="10800000" scaled="0"/>
+            <a:lin ang="0" scaled="0"/>
             <a:tileRect/>
           </a:gradFill>
           <a:ln w="38100">
@@ -5278,12 +6976,12 @@
           <a:p>
             <a:pPr algn="ctr"/>
             <a:r>
-              <a:rPr lang="da-DK" sz="1100" dirty="0">
+              <a:rPr lang="da-DK" sz="1100" dirty="0" err="1">
                 <a:solidFill>
                   <a:schemeClr val="tx1"/>
                 </a:solidFill>
               </a:rPr>
-              <a:t>EDA slope</a:t>
+              <a:t>Afraid</a:t>
             </a:r>
             <a:endParaRPr lang="en-US" sz="1100" dirty="0">
               <a:solidFill>
@@ -5293,268 +6991,100 @@
           </a:p>
         </p:txBody>
       </p:sp>
-      <p:sp>
-        <p:nvSpPr>
-          <p:cNvPr id="11" name="Rectangle 10">
-            <a:extLst>
-              <a:ext uri="{FF2B5EF4-FFF2-40B4-BE49-F238E27FC236}">
-                <a16:creationId xmlns:a16="http://schemas.microsoft.com/office/drawing/2014/main" id="{C16E4E0E-62FE-4344-5659-D3AA03146592}"/>
-              </a:ext>
-            </a:extLst>
-          </p:cNvPr>
-          <p:cNvSpPr/>
+      <p:cxnSp>
+        <p:nvCxnSpPr>
+          <p:cNvPr id="13" name="Straight Connector 12">
+            <a:extLst>
+              <a:ext uri="{FF2B5EF4-FFF2-40B4-BE49-F238E27FC236}">
+                <a16:creationId xmlns:a16="http://schemas.microsoft.com/office/drawing/2014/main" id="{B5798C19-E1FB-3FA8-5BC2-B088F0C02392}"/>
+              </a:ext>
+            </a:extLst>
+          </p:cNvPr>
+          <p:cNvCxnSpPr>
+            <a:cxnSpLocks/>
+            <a:stCxn id="8" idx="1"/>
+            <a:endCxn id="23" idx="3"/>
+          </p:cNvCxnSpPr>
           <p:nvPr/>
-        </p:nvSpPr>
+        </p:nvCxnSpPr>
         <p:spPr>
-          <a:xfrm>
-            <a:off x="2990850" y="1972031"/>
-            <a:ext cx="1343105" cy="288350"/>
+          <a:xfrm flipH="1" flipV="1">
+            <a:off x="6500039" y="2285647"/>
+            <a:ext cx="205674" cy="228"/>
           </a:xfrm>
-          <a:prstGeom prst="rect">
+          <a:prstGeom prst="line">
             <a:avLst/>
           </a:prstGeom>
-          <a:gradFill flip="none" rotWithShape="0">
-            <a:gsLst>
-              <a:gs pos="0">
-                <a:srgbClr val="8ED973">
-                  <a:tint val="66000"/>
-                  <a:satMod val="160000"/>
-                </a:srgbClr>
-              </a:gs>
-              <a:gs pos="100000">
-                <a:schemeClr val="accent1">
-                  <a:lumMod val="40000"/>
-                  <a:lumOff val="60000"/>
-                </a:schemeClr>
-              </a:gs>
-            </a:gsLst>
-            <a:lin ang="10800000" scaled="0"/>
-            <a:tileRect/>
-          </a:gradFill>
-          <a:ln w="38100">
-            <a:noFill/>
+          <a:ln>
+            <a:solidFill>
+              <a:srgbClr val="FF6534"/>
+            </a:solidFill>
           </a:ln>
         </p:spPr>
         <p:style>
           <a:lnRef idx="2">
-            <a:schemeClr val="accent1">
-              <a:shade val="15000"/>
-            </a:schemeClr>
+            <a:schemeClr val="accent1"/>
           </a:lnRef>
-          <a:fillRef idx="1">
+          <a:fillRef idx="0">
             <a:schemeClr val="accent1"/>
           </a:fillRef>
-          <a:effectRef idx="0">
+          <a:effectRef idx="1">
             <a:schemeClr val="accent1"/>
           </a:effectRef>
           <a:fontRef idx="minor">
-            <a:schemeClr val="lt1"/>
+            <a:schemeClr val="tx1"/>
           </a:fontRef>
         </p:style>
-        <p:txBody>
-          <a:bodyPr rtlCol="0" anchor="ctr"/>
-          <a:lstStyle/>
-          <a:p>
-            <a:pPr algn="ctr"/>
-            <a:r>
-              <a:rPr lang="da-DK" sz="1100" dirty="0">
-                <a:solidFill>
-                  <a:schemeClr val="tx1"/>
-                </a:solidFill>
-              </a:rPr>
-              <a:t>Temperature slope</a:t>
-            </a:r>
-            <a:endParaRPr lang="en-US" sz="1100" dirty="0">
-              <a:solidFill>
-                <a:schemeClr val="tx1"/>
-              </a:solidFill>
-            </a:endParaRPr>
-          </a:p>
-        </p:txBody>
-      </p:sp>
-      <p:grpSp>
-        <p:nvGrpSpPr>
-          <p:cNvPr id="17" name="Group 16">
-            <a:extLst>
-              <a:ext uri="{FF2B5EF4-FFF2-40B4-BE49-F238E27FC236}">
-                <a16:creationId xmlns:a16="http://schemas.microsoft.com/office/drawing/2014/main" id="{D539834F-900D-B81D-C110-9072C21E9EC9}"/>
-              </a:ext>
-            </a:extLst>
-          </p:cNvPr>
-          <p:cNvGrpSpPr/>
+      </p:cxnSp>
+      <p:cxnSp>
+        <p:nvCxnSpPr>
+          <p:cNvPr id="17" name="Straight Connector 16">
+            <a:extLst>
+              <a:ext uri="{FF2B5EF4-FFF2-40B4-BE49-F238E27FC236}">
+                <a16:creationId xmlns:a16="http://schemas.microsoft.com/office/drawing/2014/main" id="{B2E54421-5148-9847-32CC-8F97B930EECF}"/>
+              </a:ext>
+            </a:extLst>
+          </p:cNvPr>
+          <p:cNvCxnSpPr>
+            <a:cxnSpLocks/>
+            <a:stCxn id="12" idx="1"/>
+            <a:endCxn id="23" idx="3"/>
+          </p:cNvCxnSpPr>
           <p:nvPr/>
-        </p:nvGrpSpPr>
-        <p:grpSpPr>
-          <a:xfrm>
-            <a:off x="6206973" y="1973837"/>
-            <a:ext cx="868355" cy="603250"/>
-            <a:chOff x="6206973" y="1973837"/>
-            <a:chExt cx="868355" cy="603250"/>
+        </p:nvCxnSpPr>
+        <p:spPr>
+          <a:xfrm flipH="1" flipV="1">
+            <a:off x="6500039" y="2285647"/>
+            <a:ext cx="205673" cy="274183"/>
           </a:xfrm>
-        </p:grpSpPr>
-        <p:sp>
-          <p:nvSpPr>
-            <p:cNvPr id="15" name="Rectangle 14">
-              <a:extLst>
-                <a:ext uri="{FF2B5EF4-FFF2-40B4-BE49-F238E27FC236}">
-                  <a16:creationId xmlns:a16="http://schemas.microsoft.com/office/drawing/2014/main" id="{DDC00361-D33D-A1FB-7230-9262666AAEB1}"/>
-                </a:ext>
-              </a:extLst>
-            </p:cNvPr>
-            <p:cNvSpPr/>
-            <p:nvPr/>
-          </p:nvSpPr>
-          <p:spPr>
-            <a:xfrm>
-              <a:off x="6206973" y="2282923"/>
-              <a:ext cx="864960" cy="294164"/>
-            </a:xfrm>
-            <a:prstGeom prst="rect">
-              <a:avLst/>
-            </a:prstGeom>
-            <a:gradFill flip="none" rotWithShape="0">
-              <a:gsLst>
-                <a:gs pos="0">
-                  <a:srgbClr val="8ED973">
-                    <a:tint val="66000"/>
-                    <a:satMod val="160000"/>
-                  </a:srgbClr>
-                </a:gs>
-                <a:gs pos="100000">
-                  <a:schemeClr val="accent1">
-                    <a:lumMod val="40000"/>
-                    <a:lumOff val="60000"/>
-                  </a:schemeClr>
-                </a:gs>
-              </a:gsLst>
-              <a:lin ang="0" scaled="0"/>
-              <a:tileRect/>
-            </a:gradFill>
-            <a:ln w="38100">
-              <a:noFill/>
-            </a:ln>
-          </p:spPr>
-          <p:style>
-            <a:lnRef idx="2">
-              <a:schemeClr val="accent1">
-                <a:shade val="15000"/>
-              </a:schemeClr>
-            </a:lnRef>
-            <a:fillRef idx="1">
-              <a:schemeClr val="accent1"/>
-            </a:fillRef>
-            <a:effectRef idx="0">
-              <a:schemeClr val="accent1"/>
-            </a:effectRef>
-            <a:fontRef idx="minor">
-              <a:schemeClr val="lt1"/>
-            </a:fontRef>
-          </p:style>
-          <p:txBody>
-            <a:bodyPr rtlCol="0" anchor="ctr"/>
-            <a:lstStyle/>
-            <a:p>
-              <a:pPr algn="ctr"/>
-              <a:r>
-                <a:rPr lang="da-DK" sz="1100" dirty="0" err="1">
-                  <a:solidFill>
-                    <a:schemeClr val="tx1"/>
-                  </a:solidFill>
-                </a:rPr>
-                <a:t>Attentive</a:t>
-              </a:r>
-              <a:endParaRPr lang="en-US" sz="1100" dirty="0">
-                <a:solidFill>
-                  <a:schemeClr val="tx1"/>
-                </a:solidFill>
-              </a:endParaRPr>
-            </a:p>
-          </p:txBody>
-        </p:sp>
-        <p:sp>
-          <p:nvSpPr>
-            <p:cNvPr id="16" name="Rectangle 15">
-              <a:extLst>
-                <a:ext uri="{FF2B5EF4-FFF2-40B4-BE49-F238E27FC236}">
-                  <a16:creationId xmlns:a16="http://schemas.microsoft.com/office/drawing/2014/main" id="{D1086DEE-5206-AC3C-99CE-C870C8CE2346}"/>
-                </a:ext>
-              </a:extLst>
-            </p:cNvPr>
-            <p:cNvSpPr/>
-            <p:nvPr/>
-          </p:nvSpPr>
-          <p:spPr>
-            <a:xfrm>
-              <a:off x="6206973" y="1973837"/>
-              <a:ext cx="868355" cy="294164"/>
-            </a:xfrm>
-            <a:prstGeom prst="rect">
-              <a:avLst/>
-            </a:prstGeom>
-            <a:gradFill flip="none" rotWithShape="0">
-              <a:gsLst>
-                <a:gs pos="0">
-                  <a:srgbClr val="8ED973">
-                    <a:tint val="66000"/>
-                    <a:satMod val="160000"/>
-                  </a:srgbClr>
-                </a:gs>
-                <a:gs pos="100000">
-                  <a:schemeClr val="accent1">
-                    <a:lumMod val="40000"/>
-                    <a:lumOff val="60000"/>
-                  </a:schemeClr>
-                </a:gs>
-              </a:gsLst>
-              <a:lin ang="0" scaled="0"/>
-              <a:tileRect/>
-            </a:gradFill>
-            <a:ln w="38100">
-              <a:noFill/>
-            </a:ln>
-          </p:spPr>
-          <p:style>
-            <a:lnRef idx="2">
-              <a:schemeClr val="accent1">
-                <a:shade val="15000"/>
-              </a:schemeClr>
-            </a:lnRef>
-            <a:fillRef idx="1">
-              <a:schemeClr val="accent1"/>
-            </a:fillRef>
-            <a:effectRef idx="0">
-              <a:schemeClr val="accent1"/>
-            </a:effectRef>
-            <a:fontRef idx="minor">
-              <a:schemeClr val="lt1"/>
-            </a:fontRef>
-          </p:style>
-          <p:txBody>
-            <a:bodyPr rtlCol="0" anchor="ctr"/>
-            <a:lstStyle/>
-            <a:p>
-              <a:pPr algn="ctr"/>
-              <a:r>
-                <a:rPr lang="da-DK" sz="1100" dirty="0">
-                  <a:solidFill>
-                    <a:schemeClr val="tx1"/>
-                  </a:solidFill>
-                </a:rPr>
-                <a:t>Alert</a:t>
-              </a:r>
-              <a:endParaRPr lang="en-US" sz="1100" dirty="0">
-                <a:solidFill>
-                  <a:schemeClr val="tx1"/>
-                </a:solidFill>
-              </a:endParaRPr>
-            </a:p>
-          </p:txBody>
-        </p:sp>
-      </p:grpSp>
+          <a:prstGeom prst="line">
+            <a:avLst/>
+          </a:prstGeom>
+          <a:ln>
+            <a:solidFill>
+              <a:srgbClr val="FF6534"/>
+            </a:solidFill>
+          </a:ln>
+        </p:spPr>
+        <p:style>
+          <a:lnRef idx="2">
+            <a:schemeClr val="accent1"/>
+          </a:lnRef>
+          <a:fillRef idx="0">
+            <a:schemeClr val="accent1"/>
+          </a:fillRef>
+          <a:effectRef idx="1">
+            <a:schemeClr val="accent1"/>
+          </a:effectRef>
+          <a:fontRef idx="minor">
+            <a:schemeClr val="tx1"/>
+          </a:fontRef>
+        </p:style>
+      </p:cxnSp>
     </p:spTree>
     <p:extLst>
       <p:ext uri="{BB962C8B-B14F-4D97-AF65-F5344CB8AC3E}">
-        <p14:creationId xmlns:p14="http://schemas.microsoft.com/office/powerpoint/2010/main" val="1274127559"/>
+        <p14:creationId xmlns:p14="http://schemas.microsoft.com/office/powerpoint/2010/main" val="379642078"/>
       </p:ext>
     </p:extLst>
   </p:cSld>
